--- a/data/chevron1.pptx
+++ b/data/chevron1.pptx
@@ -6,6 +6,7 @@
   </p:sldMasterIdLst>
   <p:sldIdLst>
     <p:sldId id="256" r:id="rId2"/>
+    <p:sldId id="257" r:id="rId3"/>
   </p:sldIdLst>
   <p:sldSz cx="12192000" cy="6858000"/>
   <p:notesSz cx="6858000" cy="9144000"/>
@@ -259,7 +260,7 @@
           <a:p>
             <a:fld id="{37427D8B-1DA1-A746-BC44-7CA7EAFFA650}" type="datetimeFigureOut">
               <a:rPr kumimoji="1" lang="ja-JP" altLang="en-US" smtClean="0"/>
-              <a:t>2020/9/7</a:t>
+              <a:t>2020/10/30</a:t>
             </a:fld>
             <a:endParaRPr kumimoji="1" lang="ja-JP" altLang="en-US"/>
           </a:p>
@@ -489,7 +490,7 @@
           <a:p>
             <a:fld id="{37427D8B-1DA1-A746-BC44-7CA7EAFFA650}" type="datetimeFigureOut">
               <a:rPr kumimoji="1" lang="ja-JP" altLang="en-US" smtClean="0"/>
-              <a:t>2020/9/7</a:t>
+              <a:t>2020/10/30</a:t>
             </a:fld>
             <a:endParaRPr kumimoji="1" lang="ja-JP" altLang="en-US"/>
           </a:p>
@@ -729,7 +730,7 @@
           <a:p>
             <a:fld id="{37427D8B-1DA1-A746-BC44-7CA7EAFFA650}" type="datetimeFigureOut">
               <a:rPr kumimoji="1" lang="ja-JP" altLang="en-US" smtClean="0"/>
-              <a:t>2020/9/7</a:t>
+              <a:t>2020/10/30</a:t>
             </a:fld>
             <a:endParaRPr kumimoji="1" lang="ja-JP" altLang="en-US"/>
           </a:p>
@@ -959,7 +960,7 @@
           <a:p>
             <a:fld id="{37427D8B-1DA1-A746-BC44-7CA7EAFFA650}" type="datetimeFigureOut">
               <a:rPr kumimoji="1" lang="ja-JP" altLang="en-US" smtClean="0"/>
-              <a:t>2020/9/7</a:t>
+              <a:t>2020/10/30</a:t>
             </a:fld>
             <a:endParaRPr kumimoji="1" lang="ja-JP" altLang="en-US"/>
           </a:p>
@@ -1234,7 +1235,7 @@
           <a:p>
             <a:fld id="{37427D8B-1DA1-A746-BC44-7CA7EAFFA650}" type="datetimeFigureOut">
               <a:rPr kumimoji="1" lang="ja-JP" altLang="en-US" smtClean="0"/>
-              <a:t>2020/9/7</a:t>
+              <a:t>2020/10/30</a:t>
             </a:fld>
             <a:endParaRPr kumimoji="1" lang="ja-JP" altLang="en-US"/>
           </a:p>
@@ -1563,7 +1564,7 @@
           <a:p>
             <a:fld id="{37427D8B-1DA1-A746-BC44-7CA7EAFFA650}" type="datetimeFigureOut">
               <a:rPr kumimoji="1" lang="ja-JP" altLang="en-US" smtClean="0"/>
-              <a:t>2020/9/7</a:t>
+              <a:t>2020/10/30</a:t>
             </a:fld>
             <a:endParaRPr kumimoji="1" lang="ja-JP" altLang="en-US"/>
           </a:p>
@@ -2039,7 +2040,7 @@
           <a:p>
             <a:fld id="{37427D8B-1DA1-A746-BC44-7CA7EAFFA650}" type="datetimeFigureOut">
               <a:rPr kumimoji="1" lang="ja-JP" altLang="en-US" smtClean="0"/>
-              <a:t>2020/9/7</a:t>
+              <a:t>2020/10/30</a:t>
             </a:fld>
             <a:endParaRPr kumimoji="1" lang="ja-JP" altLang="en-US"/>
           </a:p>
@@ -2180,7 +2181,7 @@
           <a:p>
             <a:fld id="{37427D8B-1DA1-A746-BC44-7CA7EAFFA650}" type="datetimeFigureOut">
               <a:rPr kumimoji="1" lang="ja-JP" altLang="en-US" smtClean="0"/>
-              <a:t>2020/9/7</a:t>
+              <a:t>2020/10/30</a:t>
             </a:fld>
             <a:endParaRPr kumimoji="1" lang="ja-JP" altLang="en-US"/>
           </a:p>
@@ -2293,7 +2294,7 @@
           <a:p>
             <a:fld id="{37427D8B-1DA1-A746-BC44-7CA7EAFFA650}" type="datetimeFigureOut">
               <a:rPr kumimoji="1" lang="ja-JP" altLang="en-US" smtClean="0"/>
-              <a:t>2020/9/7</a:t>
+              <a:t>2020/10/30</a:t>
             </a:fld>
             <a:endParaRPr kumimoji="1" lang="ja-JP" altLang="en-US"/>
           </a:p>
@@ -2636,7 +2637,7 @@
           <a:p>
             <a:fld id="{37427D8B-1DA1-A746-BC44-7CA7EAFFA650}" type="datetimeFigureOut">
               <a:rPr kumimoji="1" lang="ja-JP" altLang="en-US" smtClean="0"/>
-              <a:t>2020/9/7</a:t>
+              <a:t>2020/10/30</a:t>
             </a:fld>
             <a:endParaRPr kumimoji="1" lang="ja-JP" altLang="en-US"/>
           </a:p>
@@ -2924,7 +2925,7 @@
           <a:p>
             <a:fld id="{37427D8B-1DA1-A746-BC44-7CA7EAFFA650}" type="datetimeFigureOut">
               <a:rPr kumimoji="1" lang="ja-JP" altLang="en-US" smtClean="0"/>
-              <a:t>2020/9/7</a:t>
+              <a:t>2020/10/30</a:t>
             </a:fld>
             <a:endParaRPr kumimoji="1" lang="ja-JP" altLang="en-US"/>
           </a:p>
@@ -3197,7 +3198,7 @@
           <a:p>
             <a:fld id="{37427D8B-1DA1-A746-BC44-7CA7EAFFA650}" type="datetimeFigureOut">
               <a:rPr kumimoji="1" lang="ja-JP" altLang="en-US" smtClean="0"/>
-              <a:t>2020/9/7</a:t>
+              <a:t>2020/10/30</a:t>
             </a:fld>
             <a:endParaRPr kumimoji="1" lang="ja-JP" altLang="en-US"/>
           </a:p>
@@ -4696,6 +4697,1934 @@
 </p:sld>
 </file>
 
+<file path=ppt/slides/slide2.xml><?xml version="1.0" encoding="utf-8"?>
+<p:sld xmlns:a="http://schemas.openxmlformats.org/drawingml/2006/main" xmlns:r="http://schemas.openxmlformats.org/officeDocument/2006/relationships" xmlns:p="http://schemas.openxmlformats.org/presentationml/2006/main">
+  <p:cSld>
+    <p:spTree>
+      <p:nvGrpSpPr>
+        <p:cNvPr id="1" name=""/>
+        <p:cNvGrpSpPr/>
+        <p:nvPr/>
+      </p:nvGrpSpPr>
+      <p:grpSpPr>
+        <a:xfrm>
+          <a:off x="0" y="0"/>
+          <a:ext cx="0" cy="0"/>
+          <a:chOff x="0" y="0"/>
+          <a:chExt cx="0" cy="0"/>
+        </a:xfrm>
+      </p:grpSpPr>
+      <p:pic>
+        <p:nvPicPr>
+          <p:cNvPr id="4" name="コンテンツ プレースホルダー 3">
+            <a:extLst>
+              <a:ext uri="{FF2B5EF4-FFF2-40B4-BE49-F238E27FC236}">
+                <a16:creationId xmlns:a16="http://schemas.microsoft.com/office/drawing/2014/main" id="{6297F61F-38C5-E94C-891C-C4B388BB5570}"/>
+              </a:ext>
+            </a:extLst>
+          </p:cNvPr>
+          <p:cNvPicPr>
+            <a:picLocks noGrp="1" noChangeAspect="1"/>
+          </p:cNvPicPr>
+          <p:nvPr>
+            <p:ph idx="1"/>
+          </p:nvPr>
+        </p:nvPicPr>
+        <p:blipFill>
+          <a:blip r:embed="rId2"/>
+          <a:stretch>
+            <a:fillRect/>
+          </a:stretch>
+        </p:blipFill>
+        <p:spPr>
+          <a:xfrm rot="5400000">
+            <a:off x="2666998" y="1520247"/>
+            <a:ext cx="6858003" cy="3817509"/>
+          </a:xfrm>
+          <a:prstGeom prst="rect">
+            <a:avLst/>
+          </a:prstGeom>
+          <a:noFill/>
+          <a:ln w="47625">
+            <a:noFill/>
+          </a:ln>
+        </p:spPr>
+      </p:pic>
+      <p:sp>
+        <p:nvSpPr>
+          <p:cNvPr id="5" name="テキスト ボックス 4">
+            <a:extLst>
+              <a:ext uri="{FF2B5EF4-FFF2-40B4-BE49-F238E27FC236}">
+                <a16:creationId xmlns:a16="http://schemas.microsoft.com/office/drawing/2014/main" id="{9B08019F-EC0E-CC49-A7AC-A45663D74E78}"/>
+              </a:ext>
+            </a:extLst>
+          </p:cNvPr>
+          <p:cNvSpPr txBox="1"/>
+          <p:nvPr/>
+        </p:nvSpPr>
+        <p:spPr>
+          <a:xfrm>
+            <a:off x="3374265" y="0"/>
+            <a:ext cx="812980" cy="6924973"/>
+          </a:xfrm>
+          <a:prstGeom prst="rect">
+            <a:avLst/>
+          </a:prstGeom>
+          <a:noFill/>
+        </p:spPr>
+        <p:txBody>
+          <a:bodyPr wrap="square" rtlCol="0">
+            <a:spAutoFit/>
+          </a:bodyPr>
+          <a:lstStyle/>
+          <a:p>
+            <a:pPr algn="r"/>
+            <a:endParaRPr kumimoji="1" lang="en-US" altLang="ja-JP" dirty="0">
+              <a:latin typeface="Hiragino Sans W4" panose="020B0400000000000000" pitchFamily="34" charset="-128"/>
+              <a:ea typeface="Hiragino Sans W4" panose="020B0400000000000000" pitchFamily="34" charset="-128"/>
+            </a:endParaRPr>
+          </a:p>
+          <a:p>
+            <a:pPr algn="r"/>
+            <a:r>
+              <a:rPr kumimoji="1" lang="ja-JP" altLang="en-US" sz="2400">
+                <a:latin typeface="Hiragino Sans W4" panose="020B0400000000000000" pitchFamily="34" charset="-128"/>
+                <a:ea typeface="Hiragino Sans W4" panose="020B0400000000000000" pitchFamily="34" charset="-128"/>
+              </a:rPr>
+              <a:t>１</a:t>
+            </a:r>
+            <a:endParaRPr kumimoji="1" lang="en-US" altLang="ja-JP" sz="2400" dirty="0">
+              <a:latin typeface="Hiragino Sans W4" panose="020B0400000000000000" pitchFamily="34" charset="-128"/>
+              <a:ea typeface="Hiragino Sans W4" panose="020B0400000000000000" pitchFamily="34" charset="-128"/>
+            </a:endParaRPr>
+          </a:p>
+          <a:p>
+            <a:pPr algn="r"/>
+            <a:endParaRPr kumimoji="1" lang="en-US" altLang="ja-JP" dirty="0">
+              <a:latin typeface="Hiragino Sans W4" panose="020B0400000000000000" pitchFamily="34" charset="-128"/>
+              <a:ea typeface="Hiragino Sans W4" panose="020B0400000000000000" pitchFamily="34" charset="-128"/>
+            </a:endParaRPr>
+          </a:p>
+          <a:p>
+            <a:pPr algn="r"/>
+            <a:r>
+              <a:rPr lang="ja-JP" altLang="en-US" sz="2400">
+                <a:latin typeface="Hiragino Sans W4" panose="020B0400000000000000" pitchFamily="34" charset="-128"/>
+                <a:ea typeface="Hiragino Sans W4" panose="020B0400000000000000" pitchFamily="34" charset="-128"/>
+              </a:rPr>
+              <a:t>２</a:t>
+            </a:r>
+            <a:endParaRPr lang="en-US" altLang="ja-JP" sz="2400" dirty="0">
+              <a:latin typeface="Hiragino Sans W4" panose="020B0400000000000000" pitchFamily="34" charset="-128"/>
+              <a:ea typeface="Hiragino Sans W4" panose="020B0400000000000000" pitchFamily="34" charset="-128"/>
+            </a:endParaRPr>
+          </a:p>
+          <a:p>
+            <a:pPr algn="r"/>
+            <a:endParaRPr lang="en-US" altLang="ja-JP" dirty="0">
+              <a:latin typeface="Hiragino Sans W4" panose="020B0400000000000000" pitchFamily="34" charset="-128"/>
+              <a:ea typeface="Hiragino Sans W4" panose="020B0400000000000000" pitchFamily="34" charset="-128"/>
+            </a:endParaRPr>
+          </a:p>
+          <a:p>
+            <a:pPr algn="r"/>
+            <a:r>
+              <a:rPr kumimoji="1" lang="ja-JP" altLang="en-US" sz="2400">
+                <a:latin typeface="Hiragino Sans W4" panose="020B0400000000000000" pitchFamily="34" charset="-128"/>
+                <a:ea typeface="Hiragino Sans W4" panose="020B0400000000000000" pitchFamily="34" charset="-128"/>
+              </a:rPr>
+              <a:t>３</a:t>
+            </a:r>
+            <a:endParaRPr kumimoji="1" lang="en-US" altLang="ja-JP" sz="2400" dirty="0">
+              <a:latin typeface="Hiragino Sans W4" panose="020B0400000000000000" pitchFamily="34" charset="-128"/>
+              <a:ea typeface="Hiragino Sans W4" panose="020B0400000000000000" pitchFamily="34" charset="-128"/>
+            </a:endParaRPr>
+          </a:p>
+          <a:p>
+            <a:pPr algn="r"/>
+            <a:endParaRPr kumimoji="1" lang="en-US" altLang="ja-JP" dirty="0">
+              <a:latin typeface="Hiragino Sans W4" panose="020B0400000000000000" pitchFamily="34" charset="-128"/>
+              <a:ea typeface="Hiragino Sans W4" panose="020B0400000000000000" pitchFamily="34" charset="-128"/>
+            </a:endParaRPr>
+          </a:p>
+          <a:p>
+            <a:pPr algn="r"/>
+            <a:r>
+              <a:rPr lang="ja-JP" altLang="en-US" sz="2400">
+                <a:latin typeface="Hiragino Sans W4" panose="020B0400000000000000" pitchFamily="34" charset="-128"/>
+                <a:ea typeface="Hiragino Sans W4" panose="020B0400000000000000" pitchFamily="34" charset="-128"/>
+              </a:rPr>
+              <a:t>４</a:t>
+            </a:r>
+            <a:endParaRPr lang="en-US" altLang="ja-JP" sz="2400" dirty="0">
+              <a:latin typeface="Hiragino Sans W4" panose="020B0400000000000000" pitchFamily="34" charset="-128"/>
+              <a:ea typeface="Hiragino Sans W4" panose="020B0400000000000000" pitchFamily="34" charset="-128"/>
+            </a:endParaRPr>
+          </a:p>
+          <a:p>
+            <a:pPr algn="r"/>
+            <a:endParaRPr lang="en-US" altLang="ja-JP" dirty="0">
+              <a:latin typeface="Hiragino Sans W4" panose="020B0400000000000000" pitchFamily="34" charset="-128"/>
+              <a:ea typeface="Hiragino Sans W4" panose="020B0400000000000000" pitchFamily="34" charset="-128"/>
+            </a:endParaRPr>
+          </a:p>
+          <a:p>
+            <a:pPr algn="r"/>
+            <a:r>
+              <a:rPr kumimoji="1" lang="ja-JP" altLang="en-US" sz="2400">
+                <a:latin typeface="Hiragino Sans W4" panose="020B0400000000000000" pitchFamily="34" charset="-128"/>
+                <a:ea typeface="Hiragino Sans W4" panose="020B0400000000000000" pitchFamily="34" charset="-128"/>
+              </a:rPr>
+              <a:t>５</a:t>
+            </a:r>
+            <a:endParaRPr kumimoji="1" lang="en-US" altLang="ja-JP" sz="2400" dirty="0">
+              <a:latin typeface="Hiragino Sans W4" panose="020B0400000000000000" pitchFamily="34" charset="-128"/>
+              <a:ea typeface="Hiragino Sans W4" panose="020B0400000000000000" pitchFamily="34" charset="-128"/>
+            </a:endParaRPr>
+          </a:p>
+          <a:p>
+            <a:pPr algn="r"/>
+            <a:endParaRPr kumimoji="1" lang="en-US" altLang="ja-JP" dirty="0">
+              <a:latin typeface="Hiragino Sans W4" panose="020B0400000000000000" pitchFamily="34" charset="-128"/>
+              <a:ea typeface="Hiragino Sans W4" panose="020B0400000000000000" pitchFamily="34" charset="-128"/>
+            </a:endParaRPr>
+          </a:p>
+          <a:p>
+            <a:pPr algn="r"/>
+            <a:r>
+              <a:rPr lang="ja-JP" altLang="en-US" sz="2400">
+                <a:latin typeface="Hiragino Sans W4" panose="020B0400000000000000" pitchFamily="34" charset="-128"/>
+                <a:ea typeface="Hiragino Sans W4" panose="020B0400000000000000" pitchFamily="34" charset="-128"/>
+              </a:rPr>
+              <a:t>６</a:t>
+            </a:r>
+            <a:endParaRPr lang="en-US" altLang="ja-JP" sz="2400" dirty="0">
+              <a:latin typeface="Hiragino Sans W4" panose="020B0400000000000000" pitchFamily="34" charset="-128"/>
+              <a:ea typeface="Hiragino Sans W4" panose="020B0400000000000000" pitchFamily="34" charset="-128"/>
+            </a:endParaRPr>
+          </a:p>
+          <a:p>
+            <a:pPr algn="r"/>
+            <a:endParaRPr lang="en-US" altLang="ja-JP" dirty="0">
+              <a:latin typeface="Hiragino Sans W4" panose="020B0400000000000000" pitchFamily="34" charset="-128"/>
+              <a:ea typeface="Hiragino Sans W4" panose="020B0400000000000000" pitchFamily="34" charset="-128"/>
+            </a:endParaRPr>
+          </a:p>
+          <a:p>
+            <a:pPr algn="r"/>
+            <a:r>
+              <a:rPr kumimoji="1" lang="ja-JP" altLang="en-US" sz="2400">
+                <a:latin typeface="Hiragino Sans W4" panose="020B0400000000000000" pitchFamily="34" charset="-128"/>
+                <a:ea typeface="Hiragino Sans W4" panose="020B0400000000000000" pitchFamily="34" charset="-128"/>
+              </a:rPr>
+              <a:t>７</a:t>
+            </a:r>
+            <a:endParaRPr kumimoji="1" lang="en-US" altLang="ja-JP" sz="2400" dirty="0">
+              <a:latin typeface="Hiragino Sans W4" panose="020B0400000000000000" pitchFamily="34" charset="-128"/>
+              <a:ea typeface="Hiragino Sans W4" panose="020B0400000000000000" pitchFamily="34" charset="-128"/>
+            </a:endParaRPr>
+          </a:p>
+          <a:p>
+            <a:pPr algn="r"/>
+            <a:endParaRPr kumimoji="1" lang="en-US" altLang="ja-JP" dirty="0">
+              <a:latin typeface="Hiragino Sans W4" panose="020B0400000000000000" pitchFamily="34" charset="-128"/>
+              <a:ea typeface="Hiragino Sans W4" panose="020B0400000000000000" pitchFamily="34" charset="-128"/>
+            </a:endParaRPr>
+          </a:p>
+          <a:p>
+            <a:pPr algn="r"/>
+            <a:r>
+              <a:rPr lang="ja-JP" altLang="en-US" sz="2400">
+                <a:latin typeface="Hiragino Sans W4" panose="020B0400000000000000" pitchFamily="34" charset="-128"/>
+                <a:ea typeface="Hiragino Sans W4" panose="020B0400000000000000" pitchFamily="34" charset="-128"/>
+              </a:rPr>
+              <a:t>８</a:t>
+            </a:r>
+            <a:endParaRPr lang="en-US" altLang="ja-JP" sz="2400" dirty="0">
+              <a:latin typeface="Hiragino Sans W4" panose="020B0400000000000000" pitchFamily="34" charset="-128"/>
+              <a:ea typeface="Hiragino Sans W4" panose="020B0400000000000000" pitchFamily="34" charset="-128"/>
+            </a:endParaRPr>
+          </a:p>
+          <a:p>
+            <a:pPr algn="r"/>
+            <a:endParaRPr lang="en-US" altLang="ja-JP" dirty="0">
+              <a:latin typeface="Hiragino Sans W4" panose="020B0400000000000000" pitchFamily="34" charset="-128"/>
+              <a:ea typeface="Hiragino Sans W4" panose="020B0400000000000000" pitchFamily="34" charset="-128"/>
+            </a:endParaRPr>
+          </a:p>
+          <a:p>
+            <a:pPr algn="r"/>
+            <a:r>
+              <a:rPr kumimoji="1" lang="ja-JP" altLang="en-US" sz="2400">
+                <a:latin typeface="Hiragino Sans W4" panose="020B0400000000000000" pitchFamily="34" charset="-128"/>
+                <a:ea typeface="Hiragino Sans W4" panose="020B0400000000000000" pitchFamily="34" charset="-128"/>
+              </a:rPr>
+              <a:t>９</a:t>
+            </a:r>
+            <a:endParaRPr kumimoji="1" lang="en-US" altLang="ja-JP" sz="2400" dirty="0">
+              <a:latin typeface="Hiragino Sans W4" panose="020B0400000000000000" pitchFamily="34" charset="-128"/>
+              <a:ea typeface="Hiragino Sans W4" panose="020B0400000000000000" pitchFamily="34" charset="-128"/>
+            </a:endParaRPr>
+          </a:p>
+          <a:p>
+            <a:pPr algn="r"/>
+            <a:endParaRPr kumimoji="1" lang="en-US" altLang="ja-JP" dirty="0">
+              <a:latin typeface="Hiragino Sans W4" panose="020B0400000000000000" pitchFamily="34" charset="-128"/>
+              <a:ea typeface="Hiragino Sans W4" panose="020B0400000000000000" pitchFamily="34" charset="-128"/>
+            </a:endParaRPr>
+          </a:p>
+          <a:p>
+            <a:pPr algn="r"/>
+            <a:r>
+              <a:rPr kumimoji="1" lang="ja-JP" altLang="en-US" sz="2400">
+                <a:latin typeface="Hiragino Sans W4" panose="020B0400000000000000" pitchFamily="34" charset="-128"/>
+                <a:ea typeface="Hiragino Sans W4" panose="020B0400000000000000" pitchFamily="34" charset="-128"/>
+              </a:rPr>
+              <a:t>１０</a:t>
+            </a:r>
+            <a:endParaRPr kumimoji="1" lang="en-US" altLang="ja-JP" sz="2400" dirty="0">
+              <a:latin typeface="Hiragino Sans W4" panose="020B0400000000000000" pitchFamily="34" charset="-128"/>
+              <a:ea typeface="Hiragino Sans W4" panose="020B0400000000000000" pitchFamily="34" charset="-128"/>
+            </a:endParaRPr>
+          </a:p>
+          <a:p>
+            <a:pPr algn="r"/>
+            <a:endParaRPr kumimoji="1" lang="ja-JP" altLang="en-US">
+              <a:latin typeface="Hiragino Sans W4" panose="020B0400000000000000" pitchFamily="34" charset="-128"/>
+              <a:ea typeface="Hiragino Sans W4" panose="020B0400000000000000" pitchFamily="34" charset="-128"/>
+            </a:endParaRPr>
+          </a:p>
+        </p:txBody>
+      </p:sp>
+      <p:sp>
+        <p:nvSpPr>
+          <p:cNvPr id="6" name="テキスト ボックス 5">
+            <a:extLst>
+              <a:ext uri="{FF2B5EF4-FFF2-40B4-BE49-F238E27FC236}">
+                <a16:creationId xmlns:a16="http://schemas.microsoft.com/office/drawing/2014/main" id="{C5CD0867-2840-3946-A61B-2CB4744EC582}"/>
+              </a:ext>
+            </a:extLst>
+          </p:cNvPr>
+          <p:cNvSpPr txBox="1"/>
+          <p:nvPr/>
+        </p:nvSpPr>
+        <p:spPr>
+          <a:xfrm>
+            <a:off x="8004756" y="35068"/>
+            <a:ext cx="812980" cy="6924973"/>
+          </a:xfrm>
+          <a:prstGeom prst="rect">
+            <a:avLst/>
+          </a:prstGeom>
+          <a:noFill/>
+        </p:spPr>
+        <p:txBody>
+          <a:bodyPr wrap="square" rtlCol="0">
+            <a:spAutoFit/>
+          </a:bodyPr>
+          <a:lstStyle/>
+          <a:p>
+            <a:endParaRPr kumimoji="1" lang="en-US" altLang="ja-JP" dirty="0">
+              <a:latin typeface="Hiragino Sans W4" panose="020B0400000000000000" pitchFamily="34" charset="-128"/>
+              <a:ea typeface="Hiragino Sans W4" panose="020B0400000000000000" pitchFamily="34" charset="-128"/>
+            </a:endParaRPr>
+          </a:p>
+          <a:p>
+            <a:r>
+              <a:rPr kumimoji="1" lang="ja-JP" altLang="en-US" sz="2400">
+                <a:latin typeface="Hiragino Sans W4" panose="020B0400000000000000" pitchFamily="34" charset="-128"/>
+                <a:ea typeface="Hiragino Sans W4" panose="020B0400000000000000" pitchFamily="34" charset="-128"/>
+              </a:rPr>
+              <a:t>２０</a:t>
+            </a:r>
+            <a:endParaRPr kumimoji="1" lang="en-US" altLang="ja-JP" sz="2400" dirty="0">
+              <a:latin typeface="Hiragino Sans W4" panose="020B0400000000000000" pitchFamily="34" charset="-128"/>
+              <a:ea typeface="Hiragino Sans W4" panose="020B0400000000000000" pitchFamily="34" charset="-128"/>
+            </a:endParaRPr>
+          </a:p>
+          <a:p>
+            <a:endParaRPr kumimoji="1" lang="en-US" altLang="ja-JP" dirty="0">
+              <a:latin typeface="Hiragino Sans W4" panose="020B0400000000000000" pitchFamily="34" charset="-128"/>
+              <a:ea typeface="Hiragino Sans W4" panose="020B0400000000000000" pitchFamily="34" charset="-128"/>
+            </a:endParaRPr>
+          </a:p>
+          <a:p>
+            <a:r>
+              <a:rPr lang="ja-JP" altLang="en-US" sz="2400">
+                <a:latin typeface="Hiragino Sans W4" panose="020B0400000000000000" pitchFamily="34" charset="-128"/>
+                <a:ea typeface="Hiragino Sans W4" panose="020B0400000000000000" pitchFamily="34" charset="-128"/>
+              </a:rPr>
+              <a:t>１９</a:t>
+            </a:r>
+            <a:endParaRPr lang="en-US" altLang="ja-JP" sz="2400" dirty="0">
+              <a:latin typeface="Hiragino Sans W4" panose="020B0400000000000000" pitchFamily="34" charset="-128"/>
+              <a:ea typeface="Hiragino Sans W4" panose="020B0400000000000000" pitchFamily="34" charset="-128"/>
+            </a:endParaRPr>
+          </a:p>
+          <a:p>
+            <a:endParaRPr lang="en-US" altLang="ja-JP" dirty="0">
+              <a:latin typeface="Hiragino Sans W4" panose="020B0400000000000000" pitchFamily="34" charset="-128"/>
+              <a:ea typeface="Hiragino Sans W4" panose="020B0400000000000000" pitchFamily="34" charset="-128"/>
+            </a:endParaRPr>
+          </a:p>
+          <a:p>
+            <a:r>
+              <a:rPr kumimoji="1" lang="ja-JP" altLang="en-US" sz="2400">
+                <a:latin typeface="Hiragino Sans W4" panose="020B0400000000000000" pitchFamily="34" charset="-128"/>
+                <a:ea typeface="Hiragino Sans W4" panose="020B0400000000000000" pitchFamily="34" charset="-128"/>
+              </a:rPr>
+              <a:t>１８</a:t>
+            </a:r>
+            <a:endParaRPr kumimoji="1" lang="en-US" altLang="ja-JP" sz="2400" dirty="0">
+              <a:latin typeface="Hiragino Sans W4" panose="020B0400000000000000" pitchFamily="34" charset="-128"/>
+              <a:ea typeface="Hiragino Sans W4" panose="020B0400000000000000" pitchFamily="34" charset="-128"/>
+            </a:endParaRPr>
+          </a:p>
+          <a:p>
+            <a:endParaRPr kumimoji="1" lang="en-US" altLang="ja-JP" dirty="0">
+              <a:latin typeface="Hiragino Sans W4" panose="020B0400000000000000" pitchFamily="34" charset="-128"/>
+              <a:ea typeface="Hiragino Sans W4" panose="020B0400000000000000" pitchFamily="34" charset="-128"/>
+            </a:endParaRPr>
+          </a:p>
+          <a:p>
+            <a:r>
+              <a:rPr lang="ja-JP" altLang="en-US" sz="2400">
+                <a:latin typeface="Hiragino Sans W4" panose="020B0400000000000000" pitchFamily="34" charset="-128"/>
+                <a:ea typeface="Hiragino Sans W4" panose="020B0400000000000000" pitchFamily="34" charset="-128"/>
+              </a:rPr>
+              <a:t>１７</a:t>
+            </a:r>
+            <a:endParaRPr lang="en-US" altLang="ja-JP" sz="2400" dirty="0">
+              <a:latin typeface="Hiragino Sans W4" panose="020B0400000000000000" pitchFamily="34" charset="-128"/>
+              <a:ea typeface="Hiragino Sans W4" panose="020B0400000000000000" pitchFamily="34" charset="-128"/>
+            </a:endParaRPr>
+          </a:p>
+          <a:p>
+            <a:endParaRPr lang="en-US" altLang="ja-JP" dirty="0">
+              <a:latin typeface="Hiragino Sans W4" panose="020B0400000000000000" pitchFamily="34" charset="-128"/>
+              <a:ea typeface="Hiragino Sans W4" panose="020B0400000000000000" pitchFamily="34" charset="-128"/>
+            </a:endParaRPr>
+          </a:p>
+          <a:p>
+            <a:r>
+              <a:rPr kumimoji="1" lang="ja-JP" altLang="en-US" sz="2400">
+                <a:latin typeface="Hiragino Sans W4" panose="020B0400000000000000" pitchFamily="34" charset="-128"/>
+                <a:ea typeface="Hiragino Sans W4" panose="020B0400000000000000" pitchFamily="34" charset="-128"/>
+              </a:rPr>
+              <a:t>１６</a:t>
+            </a:r>
+            <a:endParaRPr kumimoji="1" lang="en-US" altLang="ja-JP" sz="2400" dirty="0">
+              <a:latin typeface="Hiragino Sans W4" panose="020B0400000000000000" pitchFamily="34" charset="-128"/>
+              <a:ea typeface="Hiragino Sans W4" panose="020B0400000000000000" pitchFamily="34" charset="-128"/>
+            </a:endParaRPr>
+          </a:p>
+          <a:p>
+            <a:endParaRPr kumimoji="1" lang="en-US" altLang="ja-JP" dirty="0">
+              <a:latin typeface="Hiragino Sans W4" panose="020B0400000000000000" pitchFamily="34" charset="-128"/>
+              <a:ea typeface="Hiragino Sans W4" panose="020B0400000000000000" pitchFamily="34" charset="-128"/>
+            </a:endParaRPr>
+          </a:p>
+          <a:p>
+            <a:r>
+              <a:rPr lang="ja-JP" altLang="en-US" sz="2400">
+                <a:latin typeface="Hiragino Sans W4" panose="020B0400000000000000" pitchFamily="34" charset="-128"/>
+                <a:ea typeface="Hiragino Sans W4" panose="020B0400000000000000" pitchFamily="34" charset="-128"/>
+              </a:rPr>
+              <a:t>１５</a:t>
+            </a:r>
+            <a:endParaRPr lang="en-US" altLang="ja-JP" sz="2400" dirty="0">
+              <a:latin typeface="Hiragino Sans W4" panose="020B0400000000000000" pitchFamily="34" charset="-128"/>
+              <a:ea typeface="Hiragino Sans W4" panose="020B0400000000000000" pitchFamily="34" charset="-128"/>
+            </a:endParaRPr>
+          </a:p>
+          <a:p>
+            <a:endParaRPr lang="en-US" altLang="ja-JP" dirty="0">
+              <a:latin typeface="Hiragino Sans W4" panose="020B0400000000000000" pitchFamily="34" charset="-128"/>
+              <a:ea typeface="Hiragino Sans W4" panose="020B0400000000000000" pitchFamily="34" charset="-128"/>
+            </a:endParaRPr>
+          </a:p>
+          <a:p>
+            <a:r>
+              <a:rPr kumimoji="1" lang="ja-JP" altLang="en-US" sz="2400">
+                <a:latin typeface="Hiragino Sans W4" panose="020B0400000000000000" pitchFamily="34" charset="-128"/>
+                <a:ea typeface="Hiragino Sans W4" panose="020B0400000000000000" pitchFamily="34" charset="-128"/>
+              </a:rPr>
+              <a:t>１４</a:t>
+            </a:r>
+            <a:endParaRPr kumimoji="1" lang="en-US" altLang="ja-JP" sz="2400" dirty="0">
+              <a:latin typeface="Hiragino Sans W4" panose="020B0400000000000000" pitchFamily="34" charset="-128"/>
+              <a:ea typeface="Hiragino Sans W4" panose="020B0400000000000000" pitchFamily="34" charset="-128"/>
+            </a:endParaRPr>
+          </a:p>
+          <a:p>
+            <a:endParaRPr kumimoji="1" lang="en-US" altLang="ja-JP" dirty="0">
+              <a:latin typeface="Hiragino Sans W4" panose="020B0400000000000000" pitchFamily="34" charset="-128"/>
+              <a:ea typeface="Hiragino Sans W4" panose="020B0400000000000000" pitchFamily="34" charset="-128"/>
+            </a:endParaRPr>
+          </a:p>
+          <a:p>
+            <a:r>
+              <a:rPr lang="ja-JP" altLang="en-US" sz="2400">
+                <a:latin typeface="Hiragino Sans W4" panose="020B0400000000000000" pitchFamily="34" charset="-128"/>
+                <a:ea typeface="Hiragino Sans W4" panose="020B0400000000000000" pitchFamily="34" charset="-128"/>
+              </a:rPr>
+              <a:t>１３</a:t>
+            </a:r>
+            <a:endParaRPr lang="en-US" altLang="ja-JP" sz="2400" dirty="0">
+              <a:latin typeface="Hiragino Sans W4" panose="020B0400000000000000" pitchFamily="34" charset="-128"/>
+              <a:ea typeface="Hiragino Sans W4" panose="020B0400000000000000" pitchFamily="34" charset="-128"/>
+            </a:endParaRPr>
+          </a:p>
+          <a:p>
+            <a:endParaRPr lang="en-US" altLang="ja-JP" dirty="0">
+              <a:latin typeface="Hiragino Sans W4" panose="020B0400000000000000" pitchFamily="34" charset="-128"/>
+              <a:ea typeface="Hiragino Sans W4" panose="020B0400000000000000" pitchFamily="34" charset="-128"/>
+            </a:endParaRPr>
+          </a:p>
+          <a:p>
+            <a:r>
+              <a:rPr lang="ja-JP" altLang="en-US" sz="2400">
+                <a:latin typeface="Hiragino Sans W4" panose="020B0400000000000000" pitchFamily="34" charset="-128"/>
+                <a:ea typeface="Hiragino Sans W4" panose="020B0400000000000000" pitchFamily="34" charset="-128"/>
+              </a:rPr>
+              <a:t>１２</a:t>
+            </a:r>
+            <a:endParaRPr lang="en-US" altLang="ja-JP" sz="2400" dirty="0">
+              <a:latin typeface="Hiragino Sans W4" panose="020B0400000000000000" pitchFamily="34" charset="-128"/>
+              <a:ea typeface="Hiragino Sans W4" panose="020B0400000000000000" pitchFamily="34" charset="-128"/>
+            </a:endParaRPr>
+          </a:p>
+          <a:p>
+            <a:endParaRPr lang="en-US" altLang="ja-JP" dirty="0">
+              <a:latin typeface="Hiragino Sans W4" panose="020B0400000000000000" pitchFamily="34" charset="-128"/>
+              <a:ea typeface="Hiragino Sans W4" panose="020B0400000000000000" pitchFamily="34" charset="-128"/>
+            </a:endParaRPr>
+          </a:p>
+          <a:p>
+            <a:r>
+              <a:rPr kumimoji="1" lang="ja-JP" altLang="en-US" sz="2400">
+                <a:latin typeface="Hiragino Sans W4" panose="020B0400000000000000" pitchFamily="34" charset="-128"/>
+                <a:ea typeface="Hiragino Sans W4" panose="020B0400000000000000" pitchFamily="34" charset="-128"/>
+              </a:rPr>
+              <a:t>１１</a:t>
+            </a:r>
+            <a:endParaRPr kumimoji="1" lang="en-US" altLang="ja-JP" sz="2400" dirty="0">
+              <a:latin typeface="Hiragino Sans W4" panose="020B0400000000000000" pitchFamily="34" charset="-128"/>
+              <a:ea typeface="Hiragino Sans W4" panose="020B0400000000000000" pitchFamily="34" charset="-128"/>
+            </a:endParaRPr>
+          </a:p>
+          <a:p>
+            <a:endParaRPr kumimoji="1" lang="ja-JP" altLang="en-US">
+              <a:latin typeface="Hiragino Sans W4" panose="020B0400000000000000" pitchFamily="34" charset="-128"/>
+              <a:ea typeface="Hiragino Sans W4" panose="020B0400000000000000" pitchFamily="34" charset="-128"/>
+            </a:endParaRPr>
+          </a:p>
+        </p:txBody>
+      </p:sp>
+      <p:sp>
+        <p:nvSpPr>
+          <p:cNvPr id="7" name="テキスト ボックス 6">
+            <a:extLst>
+              <a:ext uri="{FF2B5EF4-FFF2-40B4-BE49-F238E27FC236}">
+                <a16:creationId xmlns:a16="http://schemas.microsoft.com/office/drawing/2014/main" id="{6A182A42-F58C-B04F-BE3D-F4C253C5E402}"/>
+              </a:ext>
+            </a:extLst>
+          </p:cNvPr>
+          <p:cNvSpPr txBox="1"/>
+          <p:nvPr/>
+        </p:nvSpPr>
+        <p:spPr>
+          <a:xfrm>
+            <a:off x="0" y="0"/>
+            <a:ext cx="3606085" cy="6832640"/>
+          </a:xfrm>
+          <a:prstGeom prst="rect">
+            <a:avLst/>
+          </a:prstGeom>
+          <a:noFill/>
+        </p:spPr>
+        <p:txBody>
+          <a:bodyPr wrap="square" rtlCol="0">
+            <a:spAutoFit/>
+          </a:bodyPr>
+          <a:lstStyle/>
+          <a:p>
+            <a:pPr algn="r"/>
+            <a:endParaRPr kumimoji="1" lang="en-US" altLang="ja-JP" dirty="0">
+              <a:solidFill>
+                <a:schemeClr val="bg1"/>
+              </a:solidFill>
+              <a:highlight>
+                <a:srgbClr val="008000"/>
+              </a:highlight>
+              <a:latin typeface="Source Han Code JP R" panose="020B0500000000000000" pitchFamily="34" charset="-128"/>
+              <a:ea typeface="Source Han Code JP R" panose="020B0500000000000000" pitchFamily="34" charset="-128"/>
+            </a:endParaRPr>
+          </a:p>
+          <a:p>
+            <a:pPr algn="r"/>
+            <a:r>
+              <a:rPr kumimoji="1" lang="ja-JP" altLang="en-US" sz="2400">
+                <a:solidFill>
+                  <a:schemeClr val="bg1"/>
+                </a:solidFill>
+                <a:highlight>
+                  <a:srgbClr val="008000"/>
+                </a:highlight>
+                <a:latin typeface="Source Han Code JP R" panose="020B0500000000000000" pitchFamily="34" charset="-128"/>
+                <a:ea typeface="Source Han Code JP R" panose="020B0500000000000000" pitchFamily="34" charset="-128"/>
+              </a:rPr>
+              <a:t>ＶＤＤ</a:t>
+            </a:r>
+            <a:endParaRPr kumimoji="1" lang="en-US" altLang="ja-JP" sz="2200" dirty="0">
+              <a:solidFill>
+                <a:schemeClr val="bg1"/>
+              </a:solidFill>
+              <a:highlight>
+                <a:srgbClr val="008000"/>
+              </a:highlight>
+              <a:latin typeface="Source Han Code JP R" panose="020B0500000000000000" pitchFamily="34" charset="-128"/>
+              <a:ea typeface="Source Han Code JP R" panose="020B0500000000000000" pitchFamily="34" charset="-128"/>
+            </a:endParaRPr>
+          </a:p>
+          <a:p>
+            <a:pPr algn="r"/>
+            <a:endParaRPr lang="en-US" altLang="ja-JP" dirty="0">
+              <a:solidFill>
+                <a:schemeClr val="bg1"/>
+              </a:solidFill>
+              <a:highlight>
+                <a:srgbClr val="008000"/>
+              </a:highlight>
+              <a:latin typeface="Source Han Code JP R" panose="020B0500000000000000" pitchFamily="34" charset="-128"/>
+              <a:ea typeface="Source Han Code JP R" panose="020B0500000000000000" pitchFamily="34" charset="-128"/>
+            </a:endParaRPr>
+          </a:p>
+          <a:p>
+            <a:pPr algn="r"/>
+            <a:r>
+              <a:rPr lang="ja-JP" altLang="en-US" sz="2400">
+                <a:solidFill>
+                  <a:schemeClr val="bg1"/>
+                </a:solidFill>
+                <a:highlight>
+                  <a:srgbClr val="008000"/>
+                </a:highlight>
+                <a:latin typeface="Source Han Code JP R" panose="020B0500000000000000" pitchFamily="34" charset="-128"/>
+                <a:ea typeface="Source Han Code JP R" panose="020B0500000000000000" pitchFamily="34" charset="-128"/>
+              </a:rPr>
+              <a:t>ＩＯ</a:t>
+            </a:r>
+            <a:r>
+              <a:rPr lang="en-US" altLang="ja-JP" sz="2400" dirty="0">
+                <a:solidFill>
+                  <a:schemeClr val="bg1"/>
+                </a:solidFill>
+                <a:highlight>
+                  <a:srgbClr val="008000"/>
+                </a:highlight>
+                <a:latin typeface="Source Han Code JP R" panose="020B0500000000000000" pitchFamily="34" charset="-128"/>
+                <a:ea typeface="Source Han Code JP R" panose="020B0500000000000000" pitchFamily="34" charset="-128"/>
+              </a:rPr>
+              <a:t>0</a:t>
+            </a:r>
+            <a:endParaRPr lang="en-US" altLang="ja-JP" sz="2000" dirty="0">
+              <a:solidFill>
+                <a:schemeClr val="bg1"/>
+              </a:solidFill>
+              <a:highlight>
+                <a:srgbClr val="008000"/>
+              </a:highlight>
+              <a:latin typeface="Source Han Code JP R" panose="020B0500000000000000" pitchFamily="34" charset="-128"/>
+              <a:ea typeface="Source Han Code JP R" panose="020B0500000000000000" pitchFamily="34" charset="-128"/>
+            </a:endParaRPr>
+          </a:p>
+          <a:p>
+            <a:pPr algn="r"/>
+            <a:endParaRPr kumimoji="1" lang="en-US" altLang="ja-JP" dirty="0">
+              <a:solidFill>
+                <a:schemeClr val="bg1"/>
+              </a:solidFill>
+              <a:highlight>
+                <a:srgbClr val="008000"/>
+              </a:highlight>
+              <a:latin typeface="Source Han Code JP R" panose="020B0500000000000000" pitchFamily="34" charset="-128"/>
+              <a:ea typeface="Source Han Code JP R" panose="020B0500000000000000" pitchFamily="34" charset="-128"/>
+            </a:endParaRPr>
+          </a:p>
+          <a:p>
+            <a:pPr algn="r"/>
+            <a:r>
+              <a:rPr kumimoji="1" lang="ja-JP" altLang="en-US" sz="2400">
+                <a:solidFill>
+                  <a:schemeClr val="bg1"/>
+                </a:solidFill>
+                <a:highlight>
+                  <a:srgbClr val="008000"/>
+                </a:highlight>
+                <a:latin typeface="Source Han Code JP R" panose="020B0500000000000000" pitchFamily="34" charset="-128"/>
+                <a:ea typeface="Source Han Code JP R" panose="020B0500000000000000" pitchFamily="34" charset="-128"/>
+              </a:rPr>
+              <a:t>ＩＯ１</a:t>
+            </a:r>
+            <a:r>
+              <a:rPr kumimoji="1" lang="en-US" altLang="ja-JP" sz="1600" dirty="0">
+                <a:solidFill>
+                  <a:schemeClr val="bg1"/>
+                </a:solidFill>
+                <a:highlight>
+                  <a:srgbClr val="008000"/>
+                </a:highlight>
+                <a:latin typeface="Source Han Code JP R" panose="020B0500000000000000" pitchFamily="34" charset="-128"/>
+                <a:ea typeface="Source Han Code JP R" panose="020B0500000000000000" pitchFamily="34" charset="-128"/>
+              </a:rPr>
+              <a:t> </a:t>
+            </a:r>
+            <a:r>
+              <a:rPr kumimoji="1" lang="en-US" altLang="ja-JP" sz="2400" dirty="0">
+                <a:solidFill>
+                  <a:schemeClr val="bg1"/>
+                </a:solidFill>
+                <a:highlight>
+                  <a:srgbClr val="008000"/>
+                </a:highlight>
+                <a:latin typeface="Source Han Code JP R" panose="020B0500000000000000" pitchFamily="34" charset="-128"/>
+                <a:ea typeface="Source Han Code JP R" panose="020B0500000000000000" pitchFamily="34" charset="-128"/>
+              </a:rPr>
+              <a:t>/</a:t>
+            </a:r>
+            <a:r>
+              <a:rPr kumimoji="1" lang="en-US" altLang="ja-JP" sz="1600" dirty="0">
+                <a:solidFill>
+                  <a:schemeClr val="bg1"/>
+                </a:solidFill>
+                <a:highlight>
+                  <a:srgbClr val="008000"/>
+                </a:highlight>
+                <a:latin typeface="Source Han Code JP R" panose="020B0500000000000000" pitchFamily="34" charset="-128"/>
+                <a:ea typeface="Source Han Code JP R" panose="020B0500000000000000" pitchFamily="34" charset="-128"/>
+              </a:rPr>
+              <a:t> </a:t>
+            </a:r>
+            <a:r>
+              <a:rPr kumimoji="1" lang="ja-JP" altLang="en-US" sz="2400">
+                <a:solidFill>
+                  <a:schemeClr val="bg1"/>
+                </a:solidFill>
+                <a:highlight>
+                  <a:srgbClr val="008000"/>
+                </a:highlight>
+                <a:latin typeface="Source Han Code JP R" panose="020B0500000000000000" pitchFamily="34" charset="-128"/>
+                <a:ea typeface="Source Han Code JP R" panose="020B0500000000000000" pitchFamily="34" charset="-128"/>
+              </a:rPr>
+              <a:t>Ｖｒｅｆ ＩＮ</a:t>
+            </a:r>
+            <a:endParaRPr kumimoji="1" lang="en-US" altLang="ja-JP" sz="2400" dirty="0">
+              <a:solidFill>
+                <a:schemeClr val="bg1"/>
+              </a:solidFill>
+              <a:highlight>
+                <a:srgbClr val="008000"/>
+              </a:highlight>
+              <a:latin typeface="Source Han Code JP R" panose="020B0500000000000000" pitchFamily="34" charset="-128"/>
+              <a:ea typeface="Source Han Code JP R" panose="020B0500000000000000" pitchFamily="34" charset="-128"/>
+            </a:endParaRPr>
+          </a:p>
+          <a:p>
+            <a:pPr algn="r"/>
+            <a:endParaRPr lang="en-US" altLang="ja-JP" dirty="0">
+              <a:solidFill>
+                <a:schemeClr val="bg1"/>
+              </a:solidFill>
+              <a:highlight>
+                <a:srgbClr val="008000"/>
+              </a:highlight>
+              <a:latin typeface="Source Han Code JP R" panose="020B0500000000000000" pitchFamily="34" charset="-128"/>
+              <a:ea typeface="Source Han Code JP R" panose="020B0500000000000000" pitchFamily="34" charset="-128"/>
+            </a:endParaRPr>
+          </a:p>
+          <a:p>
+            <a:pPr algn="r"/>
+            <a:r>
+              <a:rPr lang="ja-JP" altLang="en-US" sz="2400">
+                <a:solidFill>
+                  <a:schemeClr val="bg1"/>
+                </a:solidFill>
+                <a:highlight>
+                  <a:srgbClr val="008000"/>
+                </a:highlight>
+                <a:latin typeface="Source Han Code JP R" panose="020B0500000000000000" pitchFamily="34" charset="-128"/>
+                <a:ea typeface="Source Han Code JP R" panose="020B0500000000000000" pitchFamily="34" charset="-128"/>
+              </a:rPr>
+              <a:t>ＩＯ２</a:t>
+            </a:r>
+            <a:r>
+              <a:rPr lang="en-US" altLang="ja-JP" sz="1600" dirty="0">
+                <a:solidFill>
+                  <a:schemeClr val="bg1"/>
+                </a:solidFill>
+                <a:highlight>
+                  <a:srgbClr val="008000"/>
+                </a:highlight>
+                <a:latin typeface="Source Han Code JP R" panose="020B0500000000000000" pitchFamily="34" charset="-128"/>
+                <a:ea typeface="Source Han Code JP R" panose="020B0500000000000000" pitchFamily="34" charset="-128"/>
+              </a:rPr>
+              <a:t> </a:t>
+            </a:r>
+            <a:r>
+              <a:rPr lang="en-US" altLang="ja-JP" sz="2400" dirty="0">
+                <a:solidFill>
+                  <a:schemeClr val="bg1"/>
+                </a:solidFill>
+                <a:highlight>
+                  <a:srgbClr val="008000"/>
+                </a:highlight>
+                <a:latin typeface="Source Han Code JP R" panose="020B0500000000000000" pitchFamily="34" charset="-128"/>
+                <a:ea typeface="Source Han Code JP R" panose="020B0500000000000000" pitchFamily="34" charset="-128"/>
+              </a:rPr>
+              <a:t>/</a:t>
+            </a:r>
+            <a:r>
+              <a:rPr lang="en-US" altLang="ja-JP" sz="1600" dirty="0">
+                <a:solidFill>
+                  <a:schemeClr val="bg1"/>
+                </a:solidFill>
+                <a:highlight>
+                  <a:srgbClr val="008000"/>
+                </a:highlight>
+                <a:latin typeface="Source Han Code JP R" panose="020B0500000000000000" pitchFamily="34" charset="-128"/>
+                <a:ea typeface="Source Han Code JP R" panose="020B0500000000000000" pitchFamily="34" charset="-128"/>
+              </a:rPr>
+              <a:t> </a:t>
+            </a:r>
+            <a:r>
+              <a:rPr lang="ja-JP" altLang="en-US" sz="2400">
+                <a:solidFill>
+                  <a:schemeClr val="bg1"/>
+                </a:solidFill>
+                <a:highlight>
+                  <a:srgbClr val="008000"/>
+                </a:highlight>
+                <a:latin typeface="Source Han Code JP R" panose="020B0500000000000000" pitchFamily="34" charset="-128"/>
+                <a:ea typeface="Source Han Code JP R" panose="020B0500000000000000" pitchFamily="34" charset="-128"/>
+              </a:rPr>
+              <a:t>ＳＬＡ</a:t>
+            </a:r>
+            <a:r>
+              <a:rPr lang="ja-JP" altLang="en-US" sz="1200">
+                <a:solidFill>
+                  <a:schemeClr val="bg1"/>
+                </a:solidFill>
+                <a:highlight>
+                  <a:srgbClr val="008000"/>
+                </a:highlight>
+                <a:latin typeface="Source Han Code JP R" panose="020B0500000000000000" pitchFamily="34" charset="-128"/>
+                <a:ea typeface="Source Han Code JP R" panose="020B0500000000000000" pitchFamily="34" charset="-128"/>
+              </a:rPr>
+              <a:t> </a:t>
+            </a:r>
+            <a:r>
+              <a:rPr lang="en-US" altLang="ja-JP" sz="2400" dirty="0">
+                <a:solidFill>
+                  <a:schemeClr val="bg1"/>
+                </a:solidFill>
+                <a:highlight>
+                  <a:srgbClr val="008000"/>
+                </a:highlight>
+                <a:latin typeface="Source Han Code JP R" panose="020B0500000000000000" pitchFamily="34" charset="-128"/>
+                <a:ea typeface="Source Han Code JP R" panose="020B0500000000000000" pitchFamily="34" charset="-128"/>
+              </a:rPr>
+              <a:t>0</a:t>
+            </a:r>
+            <a:endParaRPr lang="en-US" altLang="ja-JP" sz="2200" dirty="0">
+              <a:solidFill>
+                <a:schemeClr val="bg1"/>
+              </a:solidFill>
+              <a:highlight>
+                <a:srgbClr val="008000"/>
+              </a:highlight>
+              <a:latin typeface="Source Han Code JP R" panose="020B0500000000000000" pitchFamily="34" charset="-128"/>
+              <a:ea typeface="Source Han Code JP R" panose="020B0500000000000000" pitchFamily="34" charset="-128"/>
+            </a:endParaRPr>
+          </a:p>
+          <a:p>
+            <a:pPr algn="r"/>
+            <a:endParaRPr kumimoji="1" lang="en-US" altLang="ja-JP" dirty="0">
+              <a:solidFill>
+                <a:schemeClr val="bg1"/>
+              </a:solidFill>
+              <a:highlight>
+                <a:srgbClr val="008000"/>
+              </a:highlight>
+              <a:latin typeface="Source Han Code JP R" panose="020B0500000000000000" pitchFamily="34" charset="-128"/>
+              <a:ea typeface="Source Han Code JP R" panose="020B0500000000000000" pitchFamily="34" charset="-128"/>
+            </a:endParaRPr>
+          </a:p>
+          <a:p>
+            <a:pPr algn="r"/>
+            <a:r>
+              <a:rPr kumimoji="1" lang="ja-JP" altLang="en-US" sz="2400">
+                <a:solidFill>
+                  <a:schemeClr val="bg1"/>
+                </a:solidFill>
+                <a:highlight>
+                  <a:srgbClr val="008000"/>
+                </a:highlight>
+                <a:latin typeface="Source Han Code JP R" panose="020B0500000000000000" pitchFamily="34" charset="-128"/>
+                <a:ea typeface="Source Han Code JP R" panose="020B0500000000000000" pitchFamily="34" charset="-128"/>
+              </a:rPr>
+              <a:t>ＩＯ３</a:t>
+            </a:r>
+            <a:r>
+              <a:rPr kumimoji="1" lang="en-US" altLang="ja-JP" sz="1600" dirty="0">
+                <a:solidFill>
+                  <a:schemeClr val="bg1"/>
+                </a:solidFill>
+                <a:highlight>
+                  <a:srgbClr val="008000"/>
+                </a:highlight>
+                <a:latin typeface="Source Han Code JP R" panose="020B0500000000000000" pitchFamily="34" charset="-128"/>
+                <a:ea typeface="Source Han Code JP R" panose="020B0500000000000000" pitchFamily="34" charset="-128"/>
+              </a:rPr>
+              <a:t> </a:t>
+            </a:r>
+            <a:r>
+              <a:rPr kumimoji="1" lang="en-US" altLang="ja-JP" sz="2400" dirty="0">
+                <a:solidFill>
+                  <a:schemeClr val="bg1"/>
+                </a:solidFill>
+                <a:highlight>
+                  <a:srgbClr val="008000"/>
+                </a:highlight>
+                <a:latin typeface="Source Han Code JP R" panose="020B0500000000000000" pitchFamily="34" charset="-128"/>
+                <a:ea typeface="Source Han Code JP R" panose="020B0500000000000000" pitchFamily="34" charset="-128"/>
+              </a:rPr>
+              <a:t>/</a:t>
+            </a:r>
+            <a:r>
+              <a:rPr kumimoji="1" lang="en-US" altLang="ja-JP" sz="1600" dirty="0">
+                <a:solidFill>
+                  <a:schemeClr val="bg1"/>
+                </a:solidFill>
+                <a:highlight>
+                  <a:srgbClr val="008000"/>
+                </a:highlight>
+                <a:latin typeface="Source Han Code JP R" panose="020B0500000000000000" pitchFamily="34" charset="-128"/>
+                <a:ea typeface="Source Han Code JP R" panose="020B0500000000000000" pitchFamily="34" charset="-128"/>
+              </a:rPr>
+              <a:t> </a:t>
+            </a:r>
+            <a:r>
+              <a:rPr kumimoji="1" lang="ja-JP" altLang="en-US" sz="2400">
+                <a:solidFill>
+                  <a:schemeClr val="bg1"/>
+                </a:solidFill>
+                <a:highlight>
+                  <a:srgbClr val="008000"/>
+                </a:highlight>
+                <a:latin typeface="Source Han Code JP R" panose="020B0500000000000000" pitchFamily="34" charset="-128"/>
+                <a:ea typeface="Source Han Code JP R" panose="020B0500000000000000" pitchFamily="34" charset="-128"/>
+              </a:rPr>
+              <a:t>ＳＬＡ１</a:t>
+            </a:r>
+            <a:endParaRPr kumimoji="1" lang="en-US" altLang="ja-JP" sz="2200" dirty="0">
+              <a:solidFill>
+                <a:schemeClr val="bg1"/>
+              </a:solidFill>
+              <a:highlight>
+                <a:srgbClr val="008000"/>
+              </a:highlight>
+              <a:latin typeface="Source Han Code JP R" panose="020B0500000000000000" pitchFamily="34" charset="-128"/>
+              <a:ea typeface="Source Han Code JP R" panose="020B0500000000000000" pitchFamily="34" charset="-128"/>
+            </a:endParaRPr>
+          </a:p>
+          <a:p>
+            <a:pPr algn="r"/>
+            <a:endParaRPr lang="en-US" altLang="ja-JP" dirty="0">
+              <a:solidFill>
+                <a:schemeClr val="bg1"/>
+              </a:solidFill>
+              <a:highlight>
+                <a:srgbClr val="008000"/>
+              </a:highlight>
+              <a:latin typeface="Source Han Code JP R" panose="020B0500000000000000" pitchFamily="34" charset="-128"/>
+              <a:ea typeface="Source Han Code JP R" panose="020B0500000000000000" pitchFamily="34" charset="-128"/>
+            </a:endParaRPr>
+          </a:p>
+          <a:p>
+            <a:pPr algn="r"/>
+            <a:r>
+              <a:rPr lang="ja-JP" altLang="en-US" sz="2400">
+                <a:solidFill>
+                  <a:schemeClr val="bg1"/>
+                </a:solidFill>
+                <a:highlight>
+                  <a:srgbClr val="008000"/>
+                </a:highlight>
+                <a:latin typeface="Source Han Code JP R" panose="020B0500000000000000" pitchFamily="34" charset="-128"/>
+                <a:ea typeface="Source Han Code JP R" panose="020B0500000000000000" pitchFamily="34" charset="-128"/>
+              </a:rPr>
+              <a:t>ＩＯ４</a:t>
+            </a:r>
+            <a:r>
+              <a:rPr lang="en-US" altLang="ja-JP" sz="1600" dirty="0">
+                <a:solidFill>
+                  <a:schemeClr val="bg1"/>
+                </a:solidFill>
+                <a:highlight>
+                  <a:srgbClr val="008000"/>
+                </a:highlight>
+                <a:latin typeface="Source Han Code JP R" panose="020B0500000000000000" pitchFamily="34" charset="-128"/>
+                <a:ea typeface="Source Han Code JP R" panose="020B0500000000000000" pitchFamily="34" charset="-128"/>
+              </a:rPr>
+              <a:t> </a:t>
+            </a:r>
+            <a:r>
+              <a:rPr lang="en-US" altLang="ja-JP" sz="2400" dirty="0">
+                <a:solidFill>
+                  <a:schemeClr val="bg1"/>
+                </a:solidFill>
+                <a:highlight>
+                  <a:srgbClr val="008000"/>
+                </a:highlight>
+                <a:latin typeface="Source Han Code JP R" panose="020B0500000000000000" pitchFamily="34" charset="-128"/>
+                <a:ea typeface="Source Han Code JP R" panose="020B0500000000000000" pitchFamily="34" charset="-128"/>
+              </a:rPr>
+              <a:t>/</a:t>
+            </a:r>
+            <a:r>
+              <a:rPr lang="en-US" altLang="ja-JP" sz="1600" dirty="0">
+                <a:solidFill>
+                  <a:schemeClr val="bg1"/>
+                </a:solidFill>
+                <a:highlight>
+                  <a:srgbClr val="008000"/>
+                </a:highlight>
+                <a:latin typeface="Source Han Code JP R" panose="020B0500000000000000" pitchFamily="34" charset="-128"/>
+                <a:ea typeface="Source Han Code JP R" panose="020B0500000000000000" pitchFamily="34" charset="-128"/>
+              </a:rPr>
+              <a:t> </a:t>
+            </a:r>
+            <a:r>
+              <a:rPr lang="ja-JP" altLang="en-US" sz="2400">
+                <a:solidFill>
+                  <a:schemeClr val="bg1"/>
+                </a:solidFill>
+                <a:highlight>
+                  <a:srgbClr val="008000"/>
+                </a:highlight>
+                <a:latin typeface="Source Han Code JP R" panose="020B0500000000000000" pitchFamily="34" charset="-128"/>
+                <a:ea typeface="Source Han Code JP R" panose="020B0500000000000000" pitchFamily="34" charset="-128"/>
+              </a:rPr>
+              <a:t>ＳＬＡ２</a:t>
+            </a:r>
+            <a:endParaRPr lang="en-US" altLang="ja-JP" sz="2200" dirty="0">
+              <a:solidFill>
+                <a:schemeClr val="bg1"/>
+              </a:solidFill>
+              <a:highlight>
+                <a:srgbClr val="008000"/>
+              </a:highlight>
+              <a:latin typeface="Source Han Code JP R" panose="020B0500000000000000" pitchFamily="34" charset="-128"/>
+              <a:ea typeface="Source Han Code JP R" panose="020B0500000000000000" pitchFamily="34" charset="-128"/>
+            </a:endParaRPr>
+          </a:p>
+          <a:p>
+            <a:pPr algn="r"/>
+            <a:endParaRPr kumimoji="1" lang="en-US" altLang="ja-JP" dirty="0">
+              <a:solidFill>
+                <a:schemeClr val="bg1"/>
+              </a:solidFill>
+              <a:highlight>
+                <a:srgbClr val="008000"/>
+              </a:highlight>
+              <a:latin typeface="Source Han Code JP R" panose="020B0500000000000000" pitchFamily="34" charset="-128"/>
+              <a:ea typeface="Source Han Code JP R" panose="020B0500000000000000" pitchFamily="34" charset="-128"/>
+            </a:endParaRPr>
+          </a:p>
+          <a:p>
+            <a:pPr algn="r"/>
+            <a:r>
+              <a:rPr kumimoji="1" lang="ja-JP" altLang="en-US" sz="2400">
+                <a:solidFill>
+                  <a:schemeClr val="bg1"/>
+                </a:solidFill>
+                <a:highlight>
+                  <a:srgbClr val="008000"/>
+                </a:highlight>
+                <a:latin typeface="Source Han Code JP R" panose="020B0500000000000000" pitchFamily="34" charset="-128"/>
+                <a:ea typeface="Source Han Code JP R" panose="020B0500000000000000" pitchFamily="34" charset="-128"/>
+              </a:rPr>
+              <a:t>ＩＯ５</a:t>
+            </a:r>
+            <a:r>
+              <a:rPr kumimoji="1" lang="en-US" altLang="ja-JP" sz="1600" dirty="0">
+                <a:solidFill>
+                  <a:schemeClr val="bg1"/>
+                </a:solidFill>
+                <a:highlight>
+                  <a:srgbClr val="008000"/>
+                </a:highlight>
+                <a:latin typeface="Source Han Code JP R" panose="020B0500000000000000" pitchFamily="34" charset="-128"/>
+                <a:ea typeface="Source Han Code JP R" panose="020B0500000000000000" pitchFamily="34" charset="-128"/>
+              </a:rPr>
+              <a:t> </a:t>
+            </a:r>
+            <a:r>
+              <a:rPr kumimoji="1" lang="en-US" altLang="ja-JP" sz="2400" dirty="0">
+                <a:solidFill>
+                  <a:schemeClr val="bg1"/>
+                </a:solidFill>
+                <a:highlight>
+                  <a:srgbClr val="008000"/>
+                </a:highlight>
+                <a:latin typeface="Source Han Code JP R" panose="020B0500000000000000" pitchFamily="34" charset="-128"/>
+                <a:ea typeface="Source Han Code JP R" panose="020B0500000000000000" pitchFamily="34" charset="-128"/>
+              </a:rPr>
+              <a:t>/</a:t>
+            </a:r>
+            <a:r>
+              <a:rPr kumimoji="1" lang="en-US" altLang="ja-JP" sz="1600" dirty="0">
+                <a:solidFill>
+                  <a:schemeClr val="bg1"/>
+                </a:solidFill>
+                <a:highlight>
+                  <a:srgbClr val="008000"/>
+                </a:highlight>
+                <a:latin typeface="Source Han Code JP R" panose="020B0500000000000000" pitchFamily="34" charset="-128"/>
+                <a:ea typeface="Source Han Code JP R" panose="020B0500000000000000" pitchFamily="34" charset="-128"/>
+              </a:rPr>
+              <a:t> </a:t>
+            </a:r>
+            <a:r>
+              <a:rPr kumimoji="1" lang="ja-JP" altLang="en-US" sz="2400">
+                <a:solidFill>
+                  <a:schemeClr val="bg1"/>
+                </a:solidFill>
+                <a:highlight>
+                  <a:srgbClr val="008000"/>
+                </a:highlight>
+                <a:latin typeface="Source Han Code JP R" panose="020B0500000000000000" pitchFamily="34" charset="-128"/>
+                <a:ea typeface="Source Han Code JP R" panose="020B0500000000000000" pitchFamily="34" charset="-128"/>
+              </a:rPr>
+              <a:t>ＳＬＡ３</a:t>
+            </a:r>
+            <a:endParaRPr kumimoji="1" lang="en-US" altLang="ja-JP" sz="2200" dirty="0">
+              <a:solidFill>
+                <a:schemeClr val="bg1"/>
+              </a:solidFill>
+              <a:highlight>
+                <a:srgbClr val="008000"/>
+              </a:highlight>
+              <a:latin typeface="Source Han Code JP R" panose="020B0500000000000000" pitchFamily="34" charset="-128"/>
+              <a:ea typeface="Source Han Code JP R" panose="020B0500000000000000" pitchFamily="34" charset="-128"/>
+            </a:endParaRPr>
+          </a:p>
+          <a:p>
+            <a:pPr algn="r"/>
+            <a:endParaRPr lang="en-US" altLang="ja-JP" dirty="0">
+              <a:solidFill>
+                <a:schemeClr val="bg1"/>
+              </a:solidFill>
+              <a:highlight>
+                <a:srgbClr val="008000"/>
+              </a:highlight>
+              <a:latin typeface="Source Han Code JP R" panose="020B0500000000000000" pitchFamily="34" charset="-128"/>
+              <a:ea typeface="Source Han Code JP R" panose="020B0500000000000000" pitchFamily="34" charset="-128"/>
+            </a:endParaRPr>
+          </a:p>
+          <a:p>
+            <a:pPr algn="r"/>
+            <a:r>
+              <a:rPr lang="ja-JP" altLang="en-US" sz="2400">
+                <a:solidFill>
+                  <a:schemeClr val="bg1"/>
+                </a:solidFill>
+                <a:highlight>
+                  <a:srgbClr val="008000"/>
+                </a:highlight>
+                <a:latin typeface="Source Han Code JP R" panose="020B0500000000000000" pitchFamily="34" charset="-128"/>
+                <a:ea typeface="Source Han Code JP R" panose="020B0500000000000000" pitchFamily="34" charset="-128"/>
+              </a:rPr>
+              <a:t>ＳＣＬ</a:t>
+            </a:r>
+            <a:endParaRPr lang="en-US" altLang="ja-JP" sz="2200" dirty="0">
+              <a:solidFill>
+                <a:schemeClr val="bg1"/>
+              </a:solidFill>
+              <a:highlight>
+                <a:srgbClr val="008000"/>
+              </a:highlight>
+              <a:latin typeface="Source Han Code JP R" panose="020B0500000000000000" pitchFamily="34" charset="-128"/>
+              <a:ea typeface="Source Han Code JP R" panose="020B0500000000000000" pitchFamily="34" charset="-128"/>
+            </a:endParaRPr>
+          </a:p>
+          <a:p>
+            <a:pPr algn="r"/>
+            <a:endParaRPr kumimoji="1" lang="en-US" altLang="ja-JP" dirty="0">
+              <a:solidFill>
+                <a:schemeClr val="bg1"/>
+              </a:solidFill>
+              <a:highlight>
+                <a:srgbClr val="008000"/>
+              </a:highlight>
+              <a:latin typeface="Source Han Code JP R" panose="020B0500000000000000" pitchFamily="34" charset="-128"/>
+              <a:ea typeface="Source Han Code JP R" panose="020B0500000000000000" pitchFamily="34" charset="-128"/>
+            </a:endParaRPr>
+          </a:p>
+          <a:p>
+            <a:pPr algn="r"/>
+            <a:r>
+              <a:rPr lang="ja-JP" altLang="en-US" sz="2400">
+                <a:solidFill>
+                  <a:schemeClr val="bg1"/>
+                </a:solidFill>
+                <a:highlight>
+                  <a:srgbClr val="008000"/>
+                </a:highlight>
+                <a:latin typeface="Source Han Code JP R" panose="020B0500000000000000" pitchFamily="34" charset="-128"/>
+                <a:ea typeface="Source Han Code JP R" panose="020B0500000000000000" pitchFamily="34" charset="-128"/>
+              </a:rPr>
+              <a:t>ＳＤＡ</a:t>
+            </a:r>
+            <a:endParaRPr kumimoji="1" lang="en-US" altLang="ja-JP" sz="2200" dirty="0">
+              <a:solidFill>
+                <a:schemeClr val="bg1"/>
+              </a:solidFill>
+              <a:highlight>
+                <a:srgbClr val="008000"/>
+              </a:highlight>
+              <a:latin typeface="Source Han Code JP R" panose="020B0500000000000000" pitchFamily="34" charset="-128"/>
+              <a:ea typeface="Source Han Code JP R" panose="020B0500000000000000" pitchFamily="34" charset="-128"/>
+            </a:endParaRPr>
+          </a:p>
+          <a:p>
+            <a:pPr algn="r"/>
+            <a:endParaRPr kumimoji="1" lang="en-US" altLang="ja-JP" dirty="0">
+              <a:solidFill>
+                <a:schemeClr val="bg1"/>
+              </a:solidFill>
+              <a:highlight>
+                <a:srgbClr val="008000"/>
+              </a:highlight>
+              <a:latin typeface="Source Han Code JP R" panose="020B0500000000000000" pitchFamily="34" charset="-128"/>
+              <a:ea typeface="Source Han Code JP R" panose="020B0500000000000000" pitchFamily="34" charset="-128"/>
+            </a:endParaRPr>
+          </a:p>
+          <a:p>
+            <a:pPr algn="r"/>
+            <a:r>
+              <a:rPr kumimoji="1" lang="ja-JP" altLang="en-US" sz="2400">
+                <a:solidFill>
+                  <a:schemeClr val="bg1"/>
+                </a:solidFill>
+                <a:highlight>
+                  <a:srgbClr val="008000"/>
+                </a:highlight>
+                <a:latin typeface="Source Han Code JP R" panose="020B0500000000000000" pitchFamily="34" charset="-128"/>
+                <a:ea typeface="Source Han Code JP R" panose="020B0500000000000000" pitchFamily="34" charset="-128"/>
+              </a:rPr>
+              <a:t>ＩＯ６</a:t>
+            </a:r>
+            <a:endParaRPr kumimoji="1" lang="en-US" altLang="ja-JP" sz="2400" dirty="0">
+              <a:solidFill>
+                <a:schemeClr val="bg1"/>
+              </a:solidFill>
+              <a:highlight>
+                <a:srgbClr val="008000"/>
+              </a:highlight>
+              <a:latin typeface="Source Han Code JP R" panose="020B0500000000000000" pitchFamily="34" charset="-128"/>
+              <a:ea typeface="Source Han Code JP R" panose="020B0500000000000000" pitchFamily="34" charset="-128"/>
+            </a:endParaRPr>
+          </a:p>
+          <a:p>
+            <a:pPr algn="r"/>
+            <a:endParaRPr kumimoji="1" lang="ja-JP" altLang="en-US">
+              <a:solidFill>
+                <a:schemeClr val="bg1"/>
+              </a:solidFill>
+              <a:highlight>
+                <a:srgbClr val="008000"/>
+              </a:highlight>
+              <a:latin typeface="Source Han Code JP R" panose="020B0500000000000000" pitchFamily="34" charset="-128"/>
+              <a:ea typeface="Source Han Code JP R" panose="020B0500000000000000" pitchFamily="34" charset="-128"/>
+            </a:endParaRPr>
+          </a:p>
+        </p:txBody>
+      </p:sp>
+      <p:sp>
+        <p:nvSpPr>
+          <p:cNvPr id="8" name="テキスト ボックス 7">
+            <a:extLst>
+              <a:ext uri="{FF2B5EF4-FFF2-40B4-BE49-F238E27FC236}">
+                <a16:creationId xmlns:a16="http://schemas.microsoft.com/office/drawing/2014/main" id="{FCC4C49B-415C-1646-8FF5-48670B2345A3}"/>
+              </a:ext>
+            </a:extLst>
+          </p:cNvPr>
+          <p:cNvSpPr txBox="1"/>
+          <p:nvPr/>
+        </p:nvSpPr>
+        <p:spPr>
+          <a:xfrm>
+            <a:off x="8718997" y="35068"/>
+            <a:ext cx="3473005" cy="6832640"/>
+          </a:xfrm>
+          <a:prstGeom prst="rect">
+            <a:avLst/>
+          </a:prstGeom>
+          <a:noFill/>
+        </p:spPr>
+        <p:txBody>
+          <a:bodyPr wrap="square" rtlCol="0">
+            <a:spAutoFit/>
+          </a:bodyPr>
+          <a:lstStyle/>
+          <a:p>
+            <a:endParaRPr kumimoji="1" lang="en-US" altLang="ja-JP" dirty="0">
+              <a:solidFill>
+                <a:schemeClr val="bg1"/>
+              </a:solidFill>
+              <a:highlight>
+                <a:srgbClr val="808000"/>
+              </a:highlight>
+              <a:latin typeface="Source Han Code JP R" panose="020B0500000000000000" pitchFamily="34" charset="-128"/>
+              <a:ea typeface="Source Han Code JP R" panose="020B0500000000000000" pitchFamily="34" charset="-128"/>
+            </a:endParaRPr>
+          </a:p>
+          <a:p>
+            <a:r>
+              <a:rPr kumimoji="1" lang="en-US" altLang="ja-JP" sz="2400" dirty="0">
+                <a:solidFill>
+                  <a:schemeClr val="bg1"/>
+                </a:solidFill>
+                <a:highlight>
+                  <a:srgbClr val="808000"/>
+                </a:highlight>
+                <a:latin typeface="Source Han Code JP R" panose="020B0500000000000000" pitchFamily="34" charset="-128"/>
+                <a:ea typeface="Source Han Code JP R" panose="020B0500000000000000" pitchFamily="34" charset="-128"/>
+              </a:rPr>
+              <a:t>IO14</a:t>
+            </a:r>
+            <a:r>
+              <a:rPr kumimoji="1" lang="en-US" altLang="ja-JP" sz="1600" dirty="0">
+                <a:solidFill>
+                  <a:schemeClr val="bg1"/>
+                </a:solidFill>
+                <a:highlight>
+                  <a:srgbClr val="808000"/>
+                </a:highlight>
+                <a:latin typeface="Source Han Code JP R" panose="020B0500000000000000" pitchFamily="34" charset="-128"/>
+                <a:ea typeface="Source Han Code JP R" panose="020B0500000000000000" pitchFamily="34" charset="-128"/>
+              </a:rPr>
+              <a:t> </a:t>
+            </a:r>
+            <a:r>
+              <a:rPr kumimoji="1" lang="en-US" altLang="ja-JP" sz="2400" dirty="0">
+                <a:solidFill>
+                  <a:schemeClr val="bg1"/>
+                </a:solidFill>
+                <a:highlight>
+                  <a:srgbClr val="808000"/>
+                </a:highlight>
+                <a:latin typeface="Source Han Code JP R" panose="020B0500000000000000" pitchFamily="34" charset="-128"/>
+                <a:ea typeface="Source Han Code JP R" panose="020B0500000000000000" pitchFamily="34" charset="-128"/>
+              </a:rPr>
+              <a:t>/</a:t>
+            </a:r>
+            <a:r>
+              <a:rPr kumimoji="1" lang="en-US" altLang="ja-JP" sz="1600" dirty="0">
+                <a:solidFill>
+                  <a:schemeClr val="bg1"/>
+                </a:solidFill>
+                <a:highlight>
+                  <a:srgbClr val="808000"/>
+                </a:highlight>
+                <a:latin typeface="Source Han Code JP R" panose="020B0500000000000000" pitchFamily="34" charset="-128"/>
+                <a:ea typeface="Source Han Code JP R" panose="020B0500000000000000" pitchFamily="34" charset="-128"/>
+              </a:rPr>
+              <a:t> </a:t>
+            </a:r>
+            <a:r>
+              <a:rPr kumimoji="1" lang="en-US" altLang="ja-JP" sz="2400" dirty="0">
+                <a:solidFill>
+                  <a:schemeClr val="bg1"/>
+                </a:solidFill>
+                <a:highlight>
+                  <a:srgbClr val="808000"/>
+                </a:highlight>
+                <a:latin typeface="Source Han Code JP R" panose="020B0500000000000000" pitchFamily="34" charset="-128"/>
+                <a:ea typeface="Source Han Code JP R" panose="020B0500000000000000" pitchFamily="34" charset="-128"/>
+              </a:rPr>
+              <a:t>ACMP0H_IN</a:t>
+            </a:r>
+          </a:p>
+          <a:p>
+            <a:endParaRPr kumimoji="1" lang="en-US" altLang="ja-JP" dirty="0">
+              <a:solidFill>
+                <a:schemeClr val="bg1"/>
+              </a:solidFill>
+              <a:highlight>
+                <a:srgbClr val="808000"/>
+              </a:highlight>
+              <a:latin typeface="Source Han Code JP R" panose="020B0500000000000000" pitchFamily="34" charset="-128"/>
+              <a:ea typeface="Source Han Code JP R" panose="020B0500000000000000" pitchFamily="34" charset="-128"/>
+            </a:endParaRPr>
+          </a:p>
+          <a:p>
+            <a:r>
+              <a:rPr lang="en-US" altLang="ja-JP" sz="2400" dirty="0">
+                <a:solidFill>
+                  <a:schemeClr val="bg1"/>
+                </a:solidFill>
+                <a:highlight>
+                  <a:srgbClr val="808000"/>
+                </a:highlight>
+                <a:latin typeface="Source Han Code JP R" panose="020B0500000000000000" pitchFamily="34" charset="-128"/>
+                <a:ea typeface="Source Han Code JP R" panose="020B0500000000000000" pitchFamily="34" charset="-128"/>
+              </a:rPr>
+              <a:t>IO13</a:t>
+            </a:r>
+            <a:r>
+              <a:rPr lang="en-US" altLang="ja-JP" sz="1600" dirty="0">
+                <a:solidFill>
+                  <a:schemeClr val="bg1"/>
+                </a:solidFill>
+                <a:highlight>
+                  <a:srgbClr val="808000"/>
+                </a:highlight>
+                <a:latin typeface="Source Han Code JP R" panose="020B0500000000000000" pitchFamily="34" charset="-128"/>
+                <a:ea typeface="Source Han Code JP R" panose="020B0500000000000000" pitchFamily="34" charset="-128"/>
+              </a:rPr>
+              <a:t> </a:t>
+            </a:r>
+            <a:r>
+              <a:rPr lang="en-US" altLang="ja-JP" sz="2800" dirty="0">
+                <a:solidFill>
+                  <a:schemeClr val="bg1"/>
+                </a:solidFill>
+                <a:highlight>
+                  <a:srgbClr val="808000"/>
+                </a:highlight>
+                <a:latin typeface="Source Han Code JP R" panose="020B0500000000000000" pitchFamily="34" charset="-128"/>
+                <a:ea typeface="Source Han Code JP R" panose="020B0500000000000000" pitchFamily="34" charset="-128"/>
+              </a:rPr>
+              <a:t>/</a:t>
+            </a:r>
+            <a:r>
+              <a:rPr lang="en-US" altLang="ja-JP" sz="1600" dirty="0">
+                <a:solidFill>
+                  <a:schemeClr val="bg1"/>
+                </a:solidFill>
+                <a:highlight>
+                  <a:srgbClr val="808000"/>
+                </a:highlight>
+                <a:latin typeface="Source Han Code JP R" panose="020B0500000000000000" pitchFamily="34" charset="-128"/>
+                <a:ea typeface="Source Han Code JP R" panose="020B0500000000000000" pitchFamily="34" charset="-128"/>
+              </a:rPr>
+              <a:t> </a:t>
+            </a:r>
+            <a:r>
+              <a:rPr lang="en-US" altLang="ja-JP" sz="2400" dirty="0">
+                <a:solidFill>
+                  <a:schemeClr val="bg1"/>
+                </a:solidFill>
+                <a:highlight>
+                  <a:srgbClr val="808000"/>
+                </a:highlight>
+                <a:latin typeface="Source Han Code JP R" panose="020B0500000000000000" pitchFamily="34" charset="-128"/>
+                <a:ea typeface="Source Han Code JP R" panose="020B0500000000000000" pitchFamily="34" charset="-128"/>
+              </a:rPr>
+              <a:t>ACMP1H_IN</a:t>
+            </a:r>
+          </a:p>
+          <a:p>
+            <a:endParaRPr lang="en-US" altLang="ja-JP" dirty="0">
+              <a:solidFill>
+                <a:schemeClr val="bg1"/>
+              </a:solidFill>
+              <a:highlight>
+                <a:srgbClr val="808000"/>
+              </a:highlight>
+              <a:latin typeface="Source Han Code JP R" panose="020B0500000000000000" pitchFamily="34" charset="-128"/>
+              <a:ea typeface="Source Han Code JP R" panose="020B0500000000000000" pitchFamily="34" charset="-128"/>
+            </a:endParaRPr>
+          </a:p>
+          <a:p>
+            <a:r>
+              <a:rPr kumimoji="1" lang="en-US" altLang="ja-JP" sz="2400" dirty="0">
+                <a:solidFill>
+                  <a:schemeClr val="bg1"/>
+                </a:solidFill>
+                <a:highlight>
+                  <a:srgbClr val="808000"/>
+                </a:highlight>
+                <a:latin typeface="Source Han Code JP R" panose="020B0500000000000000" pitchFamily="34" charset="-128"/>
+                <a:ea typeface="Source Han Code JP R" panose="020B0500000000000000" pitchFamily="34" charset="-128"/>
+              </a:rPr>
+              <a:t>IO12</a:t>
+            </a:r>
+            <a:r>
+              <a:rPr kumimoji="1" lang="en-US" altLang="ja-JP" sz="1600" dirty="0">
+                <a:solidFill>
+                  <a:schemeClr val="bg1"/>
+                </a:solidFill>
+                <a:highlight>
+                  <a:srgbClr val="808000"/>
+                </a:highlight>
+                <a:latin typeface="Source Han Code JP R" panose="020B0500000000000000" pitchFamily="34" charset="-128"/>
+                <a:ea typeface="Source Han Code JP R" panose="020B0500000000000000" pitchFamily="34" charset="-128"/>
+              </a:rPr>
+              <a:t> </a:t>
+            </a:r>
+            <a:r>
+              <a:rPr kumimoji="1" lang="en-US" altLang="ja-JP" sz="2400" dirty="0">
+                <a:solidFill>
+                  <a:schemeClr val="bg1"/>
+                </a:solidFill>
+                <a:highlight>
+                  <a:srgbClr val="808000"/>
+                </a:highlight>
+                <a:latin typeface="Source Han Code JP R" panose="020B0500000000000000" pitchFamily="34" charset="-128"/>
+                <a:ea typeface="Source Han Code JP R" panose="020B0500000000000000" pitchFamily="34" charset="-128"/>
+              </a:rPr>
+              <a:t>/</a:t>
+            </a:r>
+            <a:r>
+              <a:rPr kumimoji="1" lang="en-US" altLang="ja-JP" sz="1600" dirty="0">
+                <a:solidFill>
+                  <a:schemeClr val="bg1"/>
+                </a:solidFill>
+                <a:highlight>
+                  <a:srgbClr val="808000"/>
+                </a:highlight>
+                <a:latin typeface="Source Han Code JP R" panose="020B0500000000000000" pitchFamily="34" charset="-128"/>
+                <a:ea typeface="Source Han Code JP R" panose="020B0500000000000000" pitchFamily="34" charset="-128"/>
+              </a:rPr>
+              <a:t> </a:t>
+            </a:r>
+            <a:r>
+              <a:rPr kumimoji="1" lang="en-US" altLang="ja-JP" sz="2400" dirty="0">
+                <a:solidFill>
+                  <a:schemeClr val="bg1"/>
+                </a:solidFill>
+                <a:highlight>
+                  <a:srgbClr val="808000"/>
+                </a:highlight>
+                <a:latin typeface="Source Han Code JP R" panose="020B0500000000000000" pitchFamily="34" charset="-128"/>
+                <a:ea typeface="Source Han Code JP R" panose="020B0500000000000000" pitchFamily="34" charset="-128"/>
+              </a:rPr>
+              <a:t>ACMP2L_IN</a:t>
+            </a:r>
+          </a:p>
+          <a:p>
+            <a:endParaRPr kumimoji="1" lang="en-US" altLang="ja-JP" dirty="0">
+              <a:solidFill>
+                <a:schemeClr val="bg1"/>
+              </a:solidFill>
+              <a:highlight>
+                <a:srgbClr val="808000"/>
+              </a:highlight>
+              <a:latin typeface="Source Han Code JP R" panose="020B0500000000000000" pitchFamily="34" charset="-128"/>
+              <a:ea typeface="Source Han Code JP R" panose="020B0500000000000000" pitchFamily="34" charset="-128"/>
+            </a:endParaRPr>
+          </a:p>
+          <a:p>
+            <a:r>
+              <a:rPr lang="en-US" altLang="ja-JP" sz="2400" dirty="0">
+                <a:solidFill>
+                  <a:schemeClr val="bg1"/>
+                </a:solidFill>
+                <a:highlight>
+                  <a:srgbClr val="808000"/>
+                </a:highlight>
+                <a:latin typeface="Source Han Code JP R" panose="020B0500000000000000" pitchFamily="34" charset="-128"/>
+                <a:ea typeface="Source Han Code JP R" panose="020B0500000000000000" pitchFamily="34" charset="-128"/>
+              </a:rPr>
+              <a:t>IO11</a:t>
+            </a:r>
+            <a:r>
+              <a:rPr lang="en-US" altLang="ja-JP" sz="1600" dirty="0">
+                <a:solidFill>
+                  <a:schemeClr val="bg1"/>
+                </a:solidFill>
+                <a:highlight>
+                  <a:srgbClr val="808000"/>
+                </a:highlight>
+                <a:latin typeface="Source Han Code JP R" panose="020B0500000000000000" pitchFamily="34" charset="-128"/>
+                <a:ea typeface="Source Han Code JP R" panose="020B0500000000000000" pitchFamily="34" charset="-128"/>
+              </a:rPr>
+              <a:t> </a:t>
+            </a:r>
+            <a:r>
+              <a:rPr lang="en-US" altLang="ja-JP" sz="2400" dirty="0">
+                <a:solidFill>
+                  <a:schemeClr val="bg1"/>
+                </a:solidFill>
+                <a:highlight>
+                  <a:srgbClr val="808000"/>
+                </a:highlight>
+                <a:latin typeface="Source Han Code JP R" panose="020B0500000000000000" pitchFamily="34" charset="-128"/>
+                <a:ea typeface="Source Han Code JP R" panose="020B0500000000000000" pitchFamily="34" charset="-128"/>
+              </a:rPr>
+              <a:t>/</a:t>
+            </a:r>
+            <a:r>
+              <a:rPr lang="en-US" altLang="ja-JP" sz="1600" dirty="0">
+                <a:solidFill>
+                  <a:schemeClr val="bg1"/>
+                </a:solidFill>
+                <a:highlight>
+                  <a:srgbClr val="808000"/>
+                </a:highlight>
+                <a:latin typeface="Source Han Code JP R" panose="020B0500000000000000" pitchFamily="34" charset="-128"/>
+                <a:ea typeface="Source Han Code JP R" panose="020B0500000000000000" pitchFamily="34" charset="-128"/>
+              </a:rPr>
+              <a:t> </a:t>
+            </a:r>
+            <a:r>
+              <a:rPr lang="en-US" altLang="ja-JP" sz="2400" dirty="0">
+                <a:solidFill>
+                  <a:schemeClr val="bg1"/>
+                </a:solidFill>
+                <a:highlight>
+                  <a:srgbClr val="808000"/>
+                </a:highlight>
+                <a:latin typeface="Source Han Code JP R" panose="020B0500000000000000" pitchFamily="34" charset="-128"/>
+                <a:ea typeface="Source Han Code JP R" panose="020B0500000000000000" pitchFamily="34" charset="-128"/>
+              </a:rPr>
+              <a:t>ACMP3L_IN</a:t>
+            </a:r>
+          </a:p>
+          <a:p>
+            <a:endParaRPr lang="en-US" altLang="ja-JP" dirty="0">
+              <a:solidFill>
+                <a:schemeClr val="bg1"/>
+              </a:solidFill>
+              <a:highlight>
+                <a:srgbClr val="808000"/>
+              </a:highlight>
+              <a:latin typeface="Source Han Code JP R" panose="020B0500000000000000" pitchFamily="34" charset="-128"/>
+              <a:ea typeface="Source Han Code JP R" panose="020B0500000000000000" pitchFamily="34" charset="-128"/>
+            </a:endParaRPr>
+          </a:p>
+          <a:p>
+            <a:r>
+              <a:rPr kumimoji="1" lang="en-US" altLang="ja-JP" sz="2400" dirty="0">
+                <a:solidFill>
+                  <a:schemeClr val="bg1"/>
+                </a:solidFill>
+                <a:highlight>
+                  <a:srgbClr val="808000"/>
+                </a:highlight>
+                <a:latin typeface="Source Han Code JP R" panose="020B0500000000000000" pitchFamily="34" charset="-128"/>
+                <a:ea typeface="Source Han Code JP R" panose="020B0500000000000000" pitchFamily="34" charset="-128"/>
+              </a:rPr>
+              <a:t>IO10</a:t>
+            </a:r>
+            <a:r>
+              <a:rPr kumimoji="1" lang="en-US" altLang="ja-JP" dirty="0">
+                <a:solidFill>
+                  <a:schemeClr val="bg1"/>
+                </a:solidFill>
+                <a:highlight>
+                  <a:srgbClr val="808000"/>
+                </a:highlight>
+                <a:latin typeface="Source Han Code JP R" panose="020B0500000000000000" pitchFamily="34" charset="-128"/>
+                <a:ea typeface="Source Han Code JP R" panose="020B0500000000000000" pitchFamily="34" charset="-128"/>
+              </a:rPr>
+              <a:t> </a:t>
+            </a:r>
+            <a:r>
+              <a:rPr kumimoji="1" lang="en-US" altLang="ja-JP" sz="2400" dirty="0">
+                <a:solidFill>
+                  <a:schemeClr val="bg1"/>
+                </a:solidFill>
+                <a:highlight>
+                  <a:srgbClr val="808000"/>
+                </a:highlight>
+                <a:latin typeface="Source Han Code JP R" panose="020B0500000000000000" pitchFamily="34" charset="-128"/>
+                <a:ea typeface="Source Han Code JP R" panose="020B0500000000000000" pitchFamily="34" charset="-128"/>
+              </a:rPr>
+              <a:t>/</a:t>
+            </a:r>
+            <a:r>
+              <a:rPr kumimoji="1" lang="en-US" altLang="ja-JP" dirty="0">
+                <a:solidFill>
+                  <a:schemeClr val="bg1"/>
+                </a:solidFill>
+                <a:highlight>
+                  <a:srgbClr val="808000"/>
+                </a:highlight>
+                <a:latin typeface="Source Han Code JP R" panose="020B0500000000000000" pitchFamily="34" charset="-128"/>
+                <a:ea typeface="Source Han Code JP R" panose="020B0500000000000000" pitchFamily="34" charset="-128"/>
+              </a:rPr>
+              <a:t> </a:t>
+            </a:r>
+            <a:r>
+              <a:rPr kumimoji="1" lang="en-US" altLang="ja-JP" sz="2400" dirty="0">
+                <a:solidFill>
+                  <a:schemeClr val="bg1"/>
+                </a:solidFill>
+                <a:highlight>
+                  <a:srgbClr val="808000"/>
+                </a:highlight>
+                <a:latin typeface="Source Han Code JP R" panose="020B0500000000000000" pitchFamily="34" charset="-128"/>
+                <a:ea typeface="Source Han Code JP R" panose="020B0500000000000000" pitchFamily="34" charset="-128"/>
+              </a:rPr>
+              <a:t>Vref_OUT0</a:t>
+            </a:r>
+          </a:p>
+          <a:p>
+            <a:endParaRPr kumimoji="1" lang="en-US" altLang="ja-JP" dirty="0">
+              <a:solidFill>
+                <a:schemeClr val="bg1"/>
+              </a:solidFill>
+              <a:highlight>
+                <a:srgbClr val="808000"/>
+              </a:highlight>
+              <a:latin typeface="Source Han Code JP R" panose="020B0500000000000000" pitchFamily="34" charset="-128"/>
+              <a:ea typeface="Source Han Code JP R" panose="020B0500000000000000" pitchFamily="34" charset="-128"/>
+            </a:endParaRPr>
+          </a:p>
+          <a:p>
+            <a:r>
+              <a:rPr lang="en-US" altLang="ja-JP" sz="2400" dirty="0">
+                <a:solidFill>
+                  <a:schemeClr val="bg1"/>
+                </a:solidFill>
+                <a:highlight>
+                  <a:srgbClr val="808000"/>
+                </a:highlight>
+                <a:latin typeface="Source Han Code JP R" panose="020B0500000000000000" pitchFamily="34" charset="-128"/>
+                <a:ea typeface="Source Han Code JP R" panose="020B0500000000000000" pitchFamily="34" charset="-128"/>
+              </a:rPr>
+              <a:t>IO9</a:t>
+            </a:r>
+            <a:r>
+              <a:rPr lang="ja-JP" altLang="en-US">
+                <a:solidFill>
+                  <a:schemeClr val="bg1"/>
+                </a:solidFill>
+                <a:highlight>
+                  <a:srgbClr val="808000"/>
+                </a:highlight>
+                <a:latin typeface="Source Han Code JP R" panose="020B0500000000000000" pitchFamily="34" charset="-128"/>
+                <a:ea typeface="Source Han Code JP R" panose="020B0500000000000000" pitchFamily="34" charset="-128"/>
+              </a:rPr>
+              <a:t> </a:t>
+            </a:r>
+            <a:r>
+              <a:rPr lang="en-US" altLang="ja-JP" sz="2400" dirty="0">
+                <a:solidFill>
+                  <a:schemeClr val="bg1"/>
+                </a:solidFill>
+                <a:highlight>
+                  <a:srgbClr val="808000"/>
+                </a:highlight>
+                <a:latin typeface="Source Han Code JP R" panose="020B0500000000000000" pitchFamily="34" charset="-128"/>
+                <a:ea typeface="Source Han Code JP R" panose="020B0500000000000000" pitchFamily="34" charset="-128"/>
+              </a:rPr>
+              <a:t>/</a:t>
+            </a:r>
+            <a:r>
+              <a:rPr lang="en-US" altLang="ja-JP" dirty="0">
+                <a:solidFill>
+                  <a:schemeClr val="bg1"/>
+                </a:solidFill>
+                <a:highlight>
+                  <a:srgbClr val="808000"/>
+                </a:highlight>
+                <a:latin typeface="Source Han Code JP R" panose="020B0500000000000000" pitchFamily="34" charset="-128"/>
+                <a:ea typeface="Source Han Code JP R" panose="020B0500000000000000" pitchFamily="34" charset="-128"/>
+              </a:rPr>
+              <a:t> </a:t>
+            </a:r>
+            <a:r>
+              <a:rPr lang="en-US" altLang="ja-JP" sz="2400" dirty="0">
+                <a:solidFill>
+                  <a:schemeClr val="bg1"/>
+                </a:solidFill>
+                <a:highlight>
+                  <a:srgbClr val="808000"/>
+                </a:highlight>
+                <a:latin typeface="Source Han Code JP R" panose="020B0500000000000000" pitchFamily="34" charset="-128"/>
+                <a:ea typeface="Source Han Code JP R" panose="020B0500000000000000" pitchFamily="34" charset="-128"/>
+              </a:rPr>
+              <a:t>Vref_OUT1</a:t>
+            </a:r>
+          </a:p>
+          <a:p>
+            <a:endParaRPr lang="en-US" altLang="ja-JP" dirty="0">
+              <a:solidFill>
+                <a:schemeClr val="bg1"/>
+              </a:solidFill>
+              <a:highlight>
+                <a:srgbClr val="808000"/>
+              </a:highlight>
+              <a:latin typeface="Source Han Code JP R" panose="020B0500000000000000" pitchFamily="34" charset="-128"/>
+              <a:ea typeface="Source Han Code JP R" panose="020B0500000000000000" pitchFamily="34" charset="-128"/>
+            </a:endParaRPr>
+          </a:p>
+          <a:p>
+            <a:r>
+              <a:rPr kumimoji="1" lang="ja-JP" altLang="en-US" sz="2400">
+                <a:solidFill>
+                  <a:schemeClr val="bg1"/>
+                </a:solidFill>
+                <a:highlight>
+                  <a:srgbClr val="808000"/>
+                </a:highlight>
+                <a:latin typeface="Source Han Code JP R" panose="020B0500000000000000" pitchFamily="34" charset="-128"/>
+                <a:ea typeface="Source Han Code JP R" panose="020B0500000000000000" pitchFamily="34" charset="-128"/>
+              </a:rPr>
+              <a:t>ＶＤＤ２</a:t>
+            </a:r>
+            <a:endParaRPr kumimoji="1" lang="en-US" altLang="ja-JP" sz="2400" dirty="0">
+              <a:solidFill>
+                <a:schemeClr val="bg1"/>
+              </a:solidFill>
+              <a:highlight>
+                <a:srgbClr val="808000"/>
+              </a:highlight>
+              <a:latin typeface="Source Han Code JP R" panose="020B0500000000000000" pitchFamily="34" charset="-128"/>
+              <a:ea typeface="Source Han Code JP R" panose="020B0500000000000000" pitchFamily="34" charset="-128"/>
+            </a:endParaRPr>
+          </a:p>
+          <a:p>
+            <a:endParaRPr kumimoji="1" lang="en-US" altLang="ja-JP" dirty="0">
+              <a:solidFill>
+                <a:schemeClr val="bg1"/>
+              </a:solidFill>
+              <a:highlight>
+                <a:srgbClr val="808000"/>
+              </a:highlight>
+              <a:latin typeface="Source Han Code JP R" panose="020B0500000000000000" pitchFamily="34" charset="-128"/>
+              <a:ea typeface="Source Han Code JP R" panose="020B0500000000000000" pitchFamily="34" charset="-128"/>
+            </a:endParaRPr>
+          </a:p>
+          <a:p>
+            <a:r>
+              <a:rPr lang="ja-JP" altLang="en-US" sz="2400">
+                <a:solidFill>
+                  <a:schemeClr val="bg1"/>
+                </a:solidFill>
+                <a:highlight>
+                  <a:srgbClr val="808000"/>
+                </a:highlight>
+                <a:latin typeface="Source Han Code JP R" panose="020B0500000000000000" pitchFamily="34" charset="-128"/>
+                <a:ea typeface="Source Han Code JP R" panose="020B0500000000000000" pitchFamily="34" charset="-128"/>
+              </a:rPr>
+              <a:t>ＩＯ８</a:t>
+            </a:r>
+            <a:endParaRPr lang="en-US" altLang="ja-JP" sz="2400" dirty="0">
+              <a:solidFill>
+                <a:schemeClr val="bg1"/>
+              </a:solidFill>
+              <a:highlight>
+                <a:srgbClr val="808000"/>
+              </a:highlight>
+              <a:latin typeface="Source Han Code JP R" panose="020B0500000000000000" pitchFamily="34" charset="-128"/>
+              <a:ea typeface="Source Han Code JP R" panose="020B0500000000000000" pitchFamily="34" charset="-128"/>
+            </a:endParaRPr>
+          </a:p>
+          <a:p>
+            <a:endParaRPr lang="en-US" altLang="ja-JP" dirty="0">
+              <a:solidFill>
+                <a:schemeClr val="bg1"/>
+              </a:solidFill>
+              <a:highlight>
+                <a:srgbClr val="808000"/>
+              </a:highlight>
+              <a:latin typeface="Source Han Code JP R" panose="020B0500000000000000" pitchFamily="34" charset="-128"/>
+              <a:ea typeface="Source Han Code JP R" panose="020B0500000000000000" pitchFamily="34" charset="-128"/>
+            </a:endParaRPr>
+          </a:p>
+          <a:p>
+            <a:r>
+              <a:rPr lang="ja-JP" altLang="en-US" sz="2400">
+                <a:solidFill>
+                  <a:schemeClr val="bg1"/>
+                </a:solidFill>
+                <a:highlight>
+                  <a:srgbClr val="808000"/>
+                </a:highlight>
+                <a:latin typeface="Source Han Code JP R" panose="020B0500000000000000" pitchFamily="34" charset="-128"/>
+                <a:ea typeface="Source Han Code JP R" panose="020B0500000000000000" pitchFamily="34" charset="-128"/>
+              </a:rPr>
+              <a:t>ＩＯ７（ＧＰＯ）</a:t>
+            </a:r>
+            <a:endParaRPr lang="en-US" altLang="ja-JP" sz="2400" dirty="0">
+              <a:solidFill>
+                <a:schemeClr val="bg1"/>
+              </a:solidFill>
+              <a:highlight>
+                <a:srgbClr val="808000"/>
+              </a:highlight>
+              <a:latin typeface="Source Han Code JP R" panose="020B0500000000000000" pitchFamily="34" charset="-128"/>
+              <a:ea typeface="Source Han Code JP R" panose="020B0500000000000000" pitchFamily="34" charset="-128"/>
+            </a:endParaRPr>
+          </a:p>
+          <a:p>
+            <a:endParaRPr lang="en-US" altLang="ja-JP" dirty="0">
+              <a:solidFill>
+                <a:schemeClr val="bg1"/>
+              </a:solidFill>
+              <a:latin typeface="Source Han Code JP R" panose="020B0500000000000000" pitchFamily="34" charset="-128"/>
+              <a:ea typeface="Source Han Code JP R" panose="020B0500000000000000" pitchFamily="34" charset="-128"/>
+            </a:endParaRPr>
+          </a:p>
+          <a:p>
+            <a:r>
+              <a:rPr lang="ja-JP" altLang="en-US" sz="2400">
+                <a:solidFill>
+                  <a:schemeClr val="bg1"/>
+                </a:solidFill>
+                <a:highlight>
+                  <a:srgbClr val="000000"/>
+                </a:highlight>
+                <a:latin typeface="Source Han Code JP R" panose="020B0500000000000000" pitchFamily="34" charset="-128"/>
+                <a:ea typeface="Source Han Code JP R" panose="020B0500000000000000" pitchFamily="34" charset="-128"/>
+              </a:rPr>
+              <a:t>ＧＮＤ</a:t>
+            </a:r>
+            <a:endParaRPr lang="en-US" altLang="ja-JP" sz="2400" dirty="0">
+              <a:solidFill>
+                <a:schemeClr val="bg1"/>
+              </a:solidFill>
+              <a:highlight>
+                <a:srgbClr val="000000"/>
+              </a:highlight>
+              <a:latin typeface="Source Han Code JP R" panose="020B0500000000000000" pitchFamily="34" charset="-128"/>
+              <a:ea typeface="Source Han Code JP R" panose="020B0500000000000000" pitchFamily="34" charset="-128"/>
+            </a:endParaRPr>
+          </a:p>
+          <a:p>
+            <a:endParaRPr lang="en-US" altLang="ja-JP" dirty="0">
+              <a:solidFill>
+                <a:schemeClr val="bg1"/>
+              </a:solidFill>
+              <a:highlight>
+                <a:srgbClr val="000000"/>
+              </a:highlight>
+              <a:latin typeface="Source Han Code JP R" panose="020B0500000000000000" pitchFamily="34" charset="-128"/>
+              <a:ea typeface="Source Han Code JP R" panose="020B0500000000000000" pitchFamily="34" charset="-128"/>
+            </a:endParaRPr>
+          </a:p>
+        </p:txBody>
+      </p:sp>
+    </p:spTree>
+    <p:extLst>
+      <p:ext uri="{BB962C8B-B14F-4D97-AF65-F5344CB8AC3E}">
+        <p14:creationId xmlns:p14="http://schemas.microsoft.com/office/powerpoint/2010/main" val="3510318917"/>
+      </p:ext>
+    </p:extLst>
+  </p:cSld>
+  <p:clrMapOvr>
+    <a:masterClrMapping/>
+  </p:clrMapOvr>
+</p:sld>
+</file>
+
 <file path=ppt/theme/theme1.xml><?xml version="1.0" encoding="utf-8"?>
 <a:theme xmlns:a="http://schemas.openxmlformats.org/drawingml/2006/main" name="Office テーマ">
   <a:themeElements>
